--- a/Data/Soldier Demographic Capstone.pptx
+++ b/Data/Soldier Demographic Capstone.pptx
@@ -20,16 +20,17 @@
     <p:sldId id="265" r:id="rId15"/>
     <p:sldId id="266" r:id="rId16"/>
     <p:sldId id="267" r:id="rId17"/>
+    <p:sldId id="268" r:id="rId18"/>
   </p:sldIdLst>
   <p:sldSz cy="5143500" cx="9144000"/>
   <p:notesSz cx="6858000" cy="9144000"/>
   <p:embeddedFontLst>
     <p:embeddedFont>
       <p:font typeface="Roboto"/>
-      <p:regular r:id="rId18"/>
-      <p:bold r:id="rId19"/>
-      <p:italic r:id="rId20"/>
-      <p:boldItalic r:id="rId21"/>
+      <p:regular r:id="rId19"/>
+      <p:bold r:id="rId20"/>
+      <p:italic r:id="rId21"/>
+      <p:boldItalic r:id="rId22"/>
     </p:embeddedFont>
   </p:embeddedFontLst>
   <p:defaultTextStyle>
@@ -810,7 +811,7 @@
   <p:cSld>
     <p:spTree>
       <p:nvGrpSpPr>
-        <p:cNvPr id="163" name="Shape 163"/>
+        <p:cNvPr id="145" name="Shape 145"/>
         <p:cNvGrpSpPr/>
         <p:nvPr/>
       </p:nvGrpSpPr>
@@ -824,7 +825,7 @@
       </p:grpSpPr>
       <p:sp>
         <p:nvSpPr>
-          <p:cNvPr id="164" name="Google Shape;164;g10a688debdd_0_0:notes"/>
+          <p:cNvPr id="146" name="Google Shape;146;g10b64025b0f_0_20:notes"/>
           <p:cNvSpPr/>
           <p:nvPr>
             <p:ph idx="2" type="sldImg"/>
@@ -859,7 +860,7 @@
       </p:sp>
       <p:sp>
         <p:nvSpPr>
-          <p:cNvPr id="165" name="Google Shape;165;g10a688debdd_0_0:notes"/>
+          <p:cNvPr id="147" name="Google Shape;147;g10b64025b0f_0_20:notes"/>
           <p:cNvSpPr txBox="1"/>
           <p:nvPr>
             <p:ph idx="1" type="body"/>
@@ -909,7 +910,7 @@
   <p:cSld>
     <p:spTree>
       <p:nvGrpSpPr>
-        <p:cNvPr id="168" name="Shape 168"/>
+        <p:cNvPr id="152" name="Shape 152"/>
         <p:cNvGrpSpPr/>
         <p:nvPr/>
       </p:nvGrpSpPr>
@@ -923,7 +924,7 @@
       </p:grpSpPr>
       <p:sp>
         <p:nvSpPr>
-          <p:cNvPr id="169" name="Google Shape;169;g10a688debdd_0_4:notes"/>
+          <p:cNvPr id="153" name="Google Shape;153;g10b64025b0f_0_7:notes"/>
           <p:cNvSpPr/>
           <p:nvPr>
             <p:ph idx="2" type="sldImg"/>
@@ -958,7 +959,7 @@
       </p:sp>
       <p:sp>
         <p:nvSpPr>
-          <p:cNvPr id="170" name="Google Shape;170;g10a688debdd_0_4:notes"/>
+          <p:cNvPr id="154" name="Google Shape;154;g10b64025b0f_0_7:notes"/>
           <p:cNvSpPr txBox="1"/>
           <p:nvPr>
             <p:ph idx="1" type="body"/>
@@ -1008,7 +1009,7 @@
   <p:cSld>
     <p:spTree>
       <p:nvGrpSpPr>
-        <p:cNvPr id="173" name="Shape 173"/>
+        <p:cNvPr id="159" name="Shape 159"/>
         <p:cNvGrpSpPr/>
         <p:nvPr/>
       </p:nvGrpSpPr>
@@ -1022,7 +1023,7 @@
       </p:grpSpPr>
       <p:sp>
         <p:nvSpPr>
-          <p:cNvPr id="174" name="Google Shape;174;g10a688debdd_0_23:notes"/>
+          <p:cNvPr id="160" name="Google Shape;160;g10a688debdd_0_4:notes"/>
           <p:cNvSpPr/>
           <p:nvPr>
             <p:ph idx="2" type="sldImg"/>
@@ -1057,7 +1058,106 @@
       </p:sp>
       <p:sp>
         <p:nvSpPr>
-          <p:cNvPr id="175" name="Google Shape;175;g10a688debdd_0_23:notes"/>
+          <p:cNvPr id="161" name="Google Shape;161;g10a688debdd_0_4:notes"/>
+          <p:cNvSpPr txBox="1"/>
+          <p:nvPr>
+            <p:ph idx="1" type="body"/>
+          </p:nvPr>
+        </p:nvSpPr>
+        <p:spPr>
+          <a:xfrm>
+            <a:off x="685800" y="4343400"/>
+            <a:ext cx="5486400" cy="4114800"/>
+          </a:xfrm>
+          <a:prstGeom prst="rect">
+            <a:avLst/>
+          </a:prstGeom>
+        </p:spPr>
+        <p:txBody>
+          <a:bodyPr anchorCtr="0" anchor="t" bIns="91425" lIns="91425" spcFirstLastPara="1" rIns="91425" wrap="square" tIns="91425">
+            <a:noAutofit/>
+          </a:bodyPr>
+          <a:lstStyle/>
+          <a:p>
+            <a:pPr indent="0" lvl="0" marL="0" rtl="0" algn="l">
+              <a:spcBef>
+                <a:spcPts val="0"/>
+              </a:spcBef>
+              <a:spcAft>
+                <a:spcPts val="0"/>
+              </a:spcAft>
+              <a:buNone/>
+            </a:pPr>
+            <a:r>
+              <a:t/>
+            </a:r>
+            <a:endParaRPr/>
+          </a:p>
+        </p:txBody>
+      </p:sp>
+    </p:spTree>
+  </p:cSld>
+  <p:clrMapOvr>
+    <a:masterClrMapping/>
+  </p:clrMapOvr>
+</p:notes>
+</file>
+
+<file path=ppt/notesSlides/notesSlide13.xml><?xml version="1.0" encoding="utf-8"?>
+<p:notes xmlns:a="http://schemas.openxmlformats.org/drawingml/2006/main" xmlns:r="http://schemas.openxmlformats.org/officeDocument/2006/relationships" xmlns:mc="http://schemas.openxmlformats.org/markup-compatibility/2006" xmlns:mv="urn:schemas-microsoft-com:mac:vml" xmlns:p="http://schemas.openxmlformats.org/presentationml/2006/main" xmlns:c="http://schemas.openxmlformats.org/drawingml/2006/chart" xmlns:dgm="http://schemas.openxmlformats.org/drawingml/2006/diagram" xmlns:o="urn:schemas-microsoft-com:office:office" xmlns:v="urn:schemas-microsoft-com:vml" xmlns:pvml="urn:schemas-microsoft-com:office:powerpoint" xmlns:com="http://schemas.openxmlformats.org/drawingml/2006/compatibility" xmlns:p14="http://schemas.microsoft.com/office/powerpoint/2010/main" xmlns:p15="http://schemas.microsoft.com/office/powerpoint/2012/main" xmlns:ahyp="http://schemas.microsoft.com/office/drawing/2018/hyperlinkcolor" showMasterPhAnim="0" showMasterSp="0">
+  <p:cSld>
+    <p:spTree>
+      <p:nvGrpSpPr>
+        <p:cNvPr id="164" name="Shape 164"/>
+        <p:cNvGrpSpPr/>
+        <p:nvPr/>
+      </p:nvGrpSpPr>
+      <p:grpSpPr>
+        <a:xfrm>
+          <a:off x="0" y="0"/>
+          <a:ext cx="0" cy="0"/>
+          <a:chOff x="0" y="0"/>
+          <a:chExt cx="0" cy="0"/>
+        </a:xfrm>
+      </p:grpSpPr>
+      <p:sp>
+        <p:nvSpPr>
+          <p:cNvPr id="165" name="Google Shape;165;g10a688debdd_0_23:notes"/>
+          <p:cNvSpPr/>
+          <p:nvPr>
+            <p:ph idx="2" type="sldImg"/>
+          </p:nvPr>
+        </p:nvSpPr>
+        <p:spPr>
+          <a:xfrm>
+            <a:off x="381300" y="685800"/>
+            <a:ext cx="6096000" cy="3429000"/>
+          </a:xfrm>
+          <a:custGeom>
+            <a:rect b="b" l="l" r="r" t="t"/>
+            <a:pathLst>
+              <a:path extrusionOk="0" h="120000" w="120000">
+                <a:moveTo>
+                  <a:pt x="0" y="0"/>
+                </a:moveTo>
+                <a:lnTo>
+                  <a:pt x="120000" y="0"/>
+                </a:lnTo>
+                <a:lnTo>
+                  <a:pt x="120000" y="120000"/>
+                </a:lnTo>
+                <a:lnTo>
+                  <a:pt x="0" y="120000"/>
+                </a:lnTo>
+                <a:close/>
+              </a:path>
+            </a:pathLst>
+          </a:custGeom>
+        </p:spPr>
+      </p:sp>
+      <p:sp>
+        <p:nvSpPr>
+          <p:cNvPr id="166" name="Google Shape;166;g10a688debdd_0_23:notes"/>
           <p:cNvSpPr txBox="1"/>
           <p:nvPr>
             <p:ph idx="1" type="body"/>
@@ -1277,8 +1377,118 @@
           <a:lstStyle/>
           <a:p>
             <a:pPr indent="0" lvl="0" marL="0" rtl="0" algn="l">
-              <a:spcBef>
-                <a:spcPts val="0"/>
+              <a:lnSpc>
+                <a:spcPct val="115000"/>
+              </a:lnSpc>
+              <a:spcBef>
+                <a:spcPts val="0"/>
+              </a:spcBef>
+              <a:spcAft>
+                <a:spcPts val="0"/>
+              </a:spcAft>
+              <a:buNone/>
+            </a:pPr>
+            <a:r>
+              <a:rPr lang="en" sz="1600">
+                <a:solidFill>
+                  <a:srgbClr val="434343"/>
+                </a:solidFill>
+                <a:latin typeface="Roboto"/>
+                <a:ea typeface="Roboto"/>
+                <a:cs typeface="Roboto"/>
+                <a:sym typeface="Roboto"/>
+              </a:rPr>
+              <a:t>The Army is moving in a new direction where its warfighting capabilities are becoming more focused on the soldier. Readiness is a huge importance to us as leaders of soldiers.</a:t>
+            </a:r>
+            <a:endParaRPr sz="1600">
+              <a:solidFill>
+                <a:srgbClr val="434343"/>
+              </a:solidFill>
+              <a:latin typeface="Roboto"/>
+              <a:ea typeface="Roboto"/>
+              <a:cs typeface="Roboto"/>
+              <a:sym typeface="Roboto"/>
+            </a:endParaRPr>
+          </a:p>
+          <a:p>
+            <a:pPr indent="0" lvl="0" marL="0" rtl="0" algn="l">
+              <a:lnSpc>
+                <a:spcPct val="115000"/>
+              </a:lnSpc>
+              <a:spcBef>
+                <a:spcPts val="1600"/>
+              </a:spcBef>
+              <a:spcAft>
+                <a:spcPts val="0"/>
+              </a:spcAft>
+              <a:buNone/>
+            </a:pPr>
+            <a:r>
+              <a:rPr lang="en" sz="1600">
+                <a:solidFill>
+                  <a:srgbClr val="434343"/>
+                </a:solidFill>
+                <a:latin typeface="Roboto"/>
+                <a:ea typeface="Roboto"/>
+                <a:cs typeface="Roboto"/>
+                <a:sym typeface="Roboto"/>
+              </a:rPr>
+              <a:t>Knowing about things like soldiers marital status helps us better meet their needs. Married soldiers have special needs like housing,  childcare and family counseling</a:t>
+            </a:r>
+            <a:endParaRPr sz="1600">
+              <a:solidFill>
+                <a:srgbClr val="434343"/>
+              </a:solidFill>
+              <a:latin typeface="Roboto"/>
+              <a:ea typeface="Roboto"/>
+              <a:cs typeface="Roboto"/>
+              <a:sym typeface="Roboto"/>
+            </a:endParaRPr>
+          </a:p>
+          <a:p>
+            <a:pPr indent="0" lvl="0" marL="0" rtl="0" algn="l">
+              <a:lnSpc>
+                <a:spcPct val="115000"/>
+              </a:lnSpc>
+              <a:spcBef>
+                <a:spcPts val="1600"/>
+              </a:spcBef>
+              <a:spcAft>
+                <a:spcPts val="0"/>
+              </a:spcAft>
+              <a:buClr>
+                <a:schemeClr val="dk1"/>
+              </a:buClr>
+              <a:buSzPts val="1100"/>
+              <a:buFont typeface="Arial"/>
+              <a:buNone/>
+            </a:pPr>
+            <a:r>
+              <a:rPr lang="en" sz="1600">
+                <a:solidFill>
+                  <a:srgbClr val="434343"/>
+                </a:solidFill>
+                <a:latin typeface="Roboto"/>
+                <a:ea typeface="Roboto"/>
+                <a:cs typeface="Roboto"/>
+                <a:sym typeface="Roboto"/>
+              </a:rPr>
+              <a:t>As a single soldier it is easy to feel like you are missing out on benefits compared to married soldiers. I believe single soldiers have different needs which need to be fulfilled as much as married soldiers needs.</a:t>
+            </a:r>
+            <a:endParaRPr sz="1600">
+              <a:solidFill>
+                <a:srgbClr val="434343"/>
+              </a:solidFill>
+              <a:latin typeface="Roboto"/>
+              <a:ea typeface="Roboto"/>
+              <a:cs typeface="Roboto"/>
+              <a:sym typeface="Roboto"/>
+            </a:endParaRPr>
+          </a:p>
+          <a:p>
+            <a:pPr indent="0" lvl="0" marL="0" rtl="0" algn="l">
+              <a:spcBef>
+                <a:spcPts val="1600"/>
               </a:spcBef>
               <a:spcAft>
                 <a:spcPts val="0"/>
@@ -1305,7 +1515,7 @@
   <p:cSld>
     <p:spTree>
       <p:nvGrpSpPr>
-        <p:cNvPr id="115" name="Shape 115"/>
+        <p:cNvPr id="104" name="Shape 104"/>
         <p:cNvGrpSpPr/>
         <p:nvPr/>
       </p:nvGrpSpPr>
@@ -1319,7 +1529,7 @@
       </p:grpSpPr>
       <p:sp>
         <p:nvSpPr>
-          <p:cNvPr id="116" name="Google Shape;116;gc6f9e470d_0_24:notes"/>
+          <p:cNvPr id="105" name="Google Shape;105;gc6f9e470d_0_24:notes"/>
           <p:cNvSpPr/>
           <p:nvPr>
             <p:ph idx="2" type="sldImg"/>
@@ -1354,7 +1564,7 @@
       </p:sp>
       <p:sp>
         <p:nvSpPr>
-          <p:cNvPr id="117" name="Google Shape;117;gc6f9e470d_0_24:notes"/>
+          <p:cNvPr id="106" name="Google Shape;106;gc6f9e470d_0_24:notes"/>
           <p:cNvSpPr txBox="1"/>
           <p:nvPr>
             <p:ph idx="1" type="body"/>
@@ -1380,8 +1590,13 @@
                 <a:spcPts val="0"/>
               </a:spcBef>
               <a:spcAft>
-                <a:spcPts val="0"/>
-              </a:spcAft>
+                <a:spcPts val="1600"/>
+              </a:spcAft>
+              <a:buClr>
+                <a:schemeClr val="dk1"/>
+              </a:buClr>
+              <a:buSzPts val="1100"/>
+              <a:buFont typeface="Arial"/>
               <a:buNone/>
             </a:pPr>
             <a:r>
@@ -1404,7 +1619,7 @@
   <p:cSld>
     <p:spTree>
       <p:nvGrpSpPr>
-        <p:cNvPr id="124" name="Shape 124"/>
+        <p:cNvPr id="113" name="Shape 113"/>
         <p:cNvGrpSpPr/>
         <p:nvPr/>
       </p:nvGrpSpPr>
@@ -1418,7 +1633,7 @@
       </p:grpSpPr>
       <p:sp>
         <p:nvSpPr>
-          <p:cNvPr id="125" name="Google Shape;125;gc6f9e470d_0_37:notes"/>
+          <p:cNvPr id="114" name="Google Shape;114;gc6f9e470d_0_37:notes"/>
           <p:cNvSpPr/>
           <p:nvPr>
             <p:ph idx="2" type="sldImg"/>
@@ -1453,7 +1668,7 @@
       </p:sp>
       <p:sp>
         <p:nvSpPr>
-          <p:cNvPr id="126" name="Google Shape;126;gc6f9e470d_0_37:notes"/>
+          <p:cNvPr id="115" name="Google Shape;115;gc6f9e470d_0_37:notes"/>
           <p:cNvSpPr txBox="1"/>
           <p:nvPr>
             <p:ph idx="1" type="body"/>
@@ -1503,7 +1718,7 @@
   <p:cSld>
     <p:spTree>
       <p:nvGrpSpPr>
-        <p:cNvPr id="131" name="Shape 131"/>
+        <p:cNvPr id="119" name="Shape 119"/>
         <p:cNvGrpSpPr/>
         <p:nvPr/>
       </p:nvGrpSpPr>
@@ -1517,7 +1732,7 @@
       </p:grpSpPr>
       <p:sp>
         <p:nvSpPr>
-          <p:cNvPr id="132" name="Google Shape;132;g10a126c6dd5_0_12:notes"/>
+          <p:cNvPr id="120" name="Google Shape;120;g10a688debdd_0_0:notes"/>
           <p:cNvSpPr/>
           <p:nvPr>
             <p:ph idx="2" type="sldImg"/>
@@ -1552,7 +1767,7 @@
       </p:sp>
       <p:sp>
         <p:nvSpPr>
-          <p:cNvPr id="133" name="Google Shape;133;g10a126c6dd5_0_12:notes"/>
+          <p:cNvPr id="121" name="Google Shape;121;g10a688debdd_0_0:notes"/>
           <p:cNvSpPr txBox="1"/>
           <p:nvPr>
             <p:ph idx="1" type="body"/>
@@ -1602,7 +1817,7 @@
   <p:cSld>
     <p:spTree>
       <p:nvGrpSpPr>
-        <p:cNvPr id="140" name="Shape 140"/>
+        <p:cNvPr id="124" name="Shape 124"/>
         <p:cNvGrpSpPr/>
         <p:nvPr/>
       </p:nvGrpSpPr>
@@ -1616,7 +1831,7 @@
       </p:grpSpPr>
       <p:sp>
         <p:nvSpPr>
-          <p:cNvPr id="141" name="Google Shape;141;g10a21307e61_1_30:notes"/>
+          <p:cNvPr id="125" name="Google Shape;125;g10ba14a9f31_0_46:notes"/>
           <p:cNvSpPr/>
           <p:nvPr>
             <p:ph idx="2" type="sldImg"/>
@@ -1651,7 +1866,7 @@
       </p:sp>
       <p:sp>
         <p:nvSpPr>
-          <p:cNvPr id="142" name="Google Shape;142;g10a21307e61_1_30:notes"/>
+          <p:cNvPr id="126" name="Google Shape;126;g10ba14a9f31_0_46:notes"/>
           <p:cNvSpPr txBox="1"/>
           <p:nvPr>
             <p:ph idx="1" type="body"/>
@@ -1701,7 +1916,7 @@
   <p:cSld>
     <p:spTree>
       <p:nvGrpSpPr>
-        <p:cNvPr id="149" name="Shape 149"/>
+        <p:cNvPr id="131" name="Shape 131"/>
         <p:cNvGrpSpPr/>
         <p:nvPr/>
       </p:nvGrpSpPr>
@@ -1715,7 +1930,7 @@
       </p:grpSpPr>
       <p:sp>
         <p:nvSpPr>
-          <p:cNvPr id="150" name="Google Shape;150;g10b64025b0f_0_20:notes"/>
+          <p:cNvPr id="132" name="Google Shape;132;g10ba14a9f31_0_55:notes"/>
           <p:cNvSpPr/>
           <p:nvPr>
             <p:ph idx="2" type="sldImg"/>
@@ -1750,7 +1965,7 @@
       </p:sp>
       <p:sp>
         <p:nvSpPr>
-          <p:cNvPr id="151" name="Google Shape;151;g10b64025b0f_0_20:notes"/>
+          <p:cNvPr id="133" name="Google Shape;133;g10ba14a9f31_0_55:notes"/>
           <p:cNvSpPr txBox="1"/>
           <p:nvPr>
             <p:ph idx="1" type="body"/>
@@ -1800,7 +2015,7 @@
   <p:cSld>
     <p:spTree>
       <p:nvGrpSpPr>
-        <p:cNvPr id="156" name="Shape 156"/>
+        <p:cNvPr id="138" name="Shape 138"/>
         <p:cNvGrpSpPr/>
         <p:nvPr/>
       </p:nvGrpSpPr>
@@ -1814,7 +2029,7 @@
       </p:grpSpPr>
       <p:sp>
         <p:nvSpPr>
-          <p:cNvPr id="157" name="Google Shape;157;g10b64025b0f_0_7:notes"/>
+          <p:cNvPr id="139" name="Google Shape;139;g10ba14a9f31_0_61:notes"/>
           <p:cNvSpPr/>
           <p:nvPr>
             <p:ph idx="2" type="sldImg"/>
@@ -1849,7 +2064,7 @@
       </p:sp>
       <p:sp>
         <p:nvSpPr>
-          <p:cNvPr id="158" name="Google Shape;158;g10b64025b0f_0_7:notes"/>
+          <p:cNvPr id="140" name="Google Shape;140;g10ba14a9f31_0_61:notes"/>
           <p:cNvSpPr txBox="1"/>
           <p:nvPr>
             <p:ph idx="1" type="body"/>
@@ -8632,7 +8847,7 @@
   <p:cSld>
     <p:spTree>
       <p:nvGrpSpPr>
-        <p:cNvPr id="166" name="Shape 166"/>
+        <p:cNvPr id="148" name="Shape 148"/>
         <p:cNvGrpSpPr/>
         <p:nvPr/>
       </p:nvGrpSpPr>
@@ -8644,9 +8859,281 @@
           <a:chExt cx="0" cy="0"/>
         </a:xfrm>
       </p:grpSpPr>
+      <p:sp>
+        <p:nvSpPr>
+          <p:cNvPr id="149" name="Google Shape;149;p22"/>
+          <p:cNvSpPr txBox="1"/>
+          <p:nvPr>
+            <p:ph type="title"/>
+          </p:nvPr>
+        </p:nvSpPr>
+        <p:spPr>
+          <a:xfrm>
+            <a:off x="265500" y="1151100"/>
+            <a:ext cx="4045200" cy="1564500"/>
+          </a:xfrm>
+          <a:prstGeom prst="rect">
+            <a:avLst/>
+          </a:prstGeom>
+        </p:spPr>
+        <p:txBody>
+          <a:bodyPr anchorCtr="0" anchor="b" bIns="91425" lIns="91425" spcFirstLastPara="1" rIns="91425" wrap="square" tIns="91425">
+            <a:noAutofit/>
+          </a:bodyPr>
+          <a:lstStyle/>
+          <a:p>
+            <a:pPr indent="0" lvl="0" marL="0" rtl="0" algn="ctr">
+              <a:spcBef>
+                <a:spcPts val="0"/>
+              </a:spcBef>
+              <a:spcAft>
+                <a:spcPts val="0"/>
+              </a:spcAft>
+              <a:buNone/>
+            </a:pPr>
+            <a:r>
+              <a:rPr lang="en"/>
+              <a:t>Conclusion</a:t>
+            </a:r>
+            <a:endParaRPr/>
+          </a:p>
+        </p:txBody>
+      </p:sp>
+      <p:sp>
+        <p:nvSpPr>
+          <p:cNvPr id="150" name="Google Shape;150;p22"/>
+          <p:cNvSpPr txBox="1"/>
+          <p:nvPr>
+            <p:ph idx="1" type="subTitle"/>
+          </p:nvPr>
+        </p:nvSpPr>
+        <p:spPr>
+          <a:xfrm>
+            <a:off x="265500" y="2769001"/>
+            <a:ext cx="4045200" cy="1269300"/>
+          </a:xfrm>
+          <a:prstGeom prst="rect">
+            <a:avLst/>
+          </a:prstGeom>
+        </p:spPr>
+        <p:txBody>
+          <a:bodyPr anchorCtr="0" anchor="t" bIns="91425" lIns="91425" spcFirstLastPara="1" rIns="91425" wrap="square" tIns="91425">
+            <a:noAutofit/>
+          </a:bodyPr>
+          <a:lstStyle/>
+          <a:p>
+            <a:pPr indent="0" lvl="0" marL="0" rtl="0" algn="ctr">
+              <a:spcBef>
+                <a:spcPts val="0"/>
+              </a:spcBef>
+              <a:spcAft>
+                <a:spcPts val="0"/>
+              </a:spcAft>
+              <a:buNone/>
+            </a:pPr>
+            <a:r>
+              <a:rPr lang="en" sz="3000"/>
+              <a:t>What is Next?</a:t>
+            </a:r>
+            <a:endParaRPr sz="3000"/>
+          </a:p>
+        </p:txBody>
+      </p:sp>
+      <p:sp>
+        <p:nvSpPr>
+          <p:cNvPr id="151" name="Google Shape;151;p22"/>
+          <p:cNvSpPr txBox="1"/>
+          <p:nvPr>
+            <p:ph idx="2" type="body"/>
+          </p:nvPr>
+        </p:nvSpPr>
+        <p:spPr>
+          <a:xfrm>
+            <a:off x="4939500" y="724200"/>
+            <a:ext cx="3837000" cy="3695100"/>
+          </a:xfrm>
+          <a:prstGeom prst="rect">
+            <a:avLst/>
+          </a:prstGeom>
+        </p:spPr>
+        <p:txBody>
+          <a:bodyPr anchorCtr="0" anchor="t" bIns="91425" lIns="91425" spcFirstLastPara="1" rIns="91425" wrap="square" tIns="91425">
+            <a:noAutofit/>
+          </a:bodyPr>
+          <a:lstStyle/>
+          <a:p>
+            <a:pPr indent="0" lvl="0" marL="0" rtl="0" algn="l">
+              <a:spcBef>
+                <a:spcPts val="0"/>
+              </a:spcBef>
+              <a:spcAft>
+                <a:spcPts val="0"/>
+              </a:spcAft>
+              <a:buNone/>
+            </a:pPr>
+            <a:r>
+              <a:rPr lang="en" sz="1600"/>
+              <a:t>According to the tests one can conclude that we should devote the same effort for married and unmarried service members single the difference between populations is not significant.</a:t>
+            </a:r>
+            <a:endParaRPr sz="1600"/>
+          </a:p>
+          <a:p>
+            <a:pPr indent="0" lvl="0" marL="0" rtl="0" algn="l">
+              <a:spcBef>
+                <a:spcPts val="1600"/>
+              </a:spcBef>
+              <a:spcAft>
+                <a:spcPts val="0"/>
+              </a:spcAft>
+              <a:buNone/>
+            </a:pPr>
+            <a:r>
+              <a:t/>
+            </a:r>
+            <a:endParaRPr sz="1600"/>
+          </a:p>
+          <a:p>
+            <a:pPr indent="0" lvl="0" marL="0" rtl="0" algn="l">
+              <a:spcBef>
+                <a:spcPts val="1600"/>
+              </a:spcBef>
+              <a:spcAft>
+                <a:spcPts val="1600"/>
+              </a:spcAft>
+              <a:buNone/>
+            </a:pPr>
+            <a:r>
+              <a:rPr lang="en" sz="1600"/>
+              <a:t>In the future I would like to have access to more detailed and recent data. I would have also like to delve into other demographics like age and race.</a:t>
+            </a:r>
+            <a:endParaRPr sz="1600"/>
+          </a:p>
+        </p:txBody>
+      </p:sp>
+    </p:spTree>
+  </p:cSld>
+  <p:clrMapOvr>
+    <a:masterClrMapping/>
+  </p:clrMapOvr>
+</p:sld>
+</file>
+
+<file path=ppt/slides/slide11.xml><?xml version="1.0" encoding="utf-8"?>
+<p:sld xmlns:a="http://schemas.openxmlformats.org/drawingml/2006/main" xmlns:r="http://schemas.openxmlformats.org/officeDocument/2006/relationships" xmlns:mc="http://schemas.openxmlformats.org/markup-compatibility/2006" xmlns:mv="urn:schemas-microsoft-com:mac:vml" xmlns:p="http://schemas.openxmlformats.org/presentationml/2006/main" xmlns:c="http://schemas.openxmlformats.org/drawingml/2006/chart" xmlns:dgm="http://schemas.openxmlformats.org/drawingml/2006/diagram" xmlns:o="urn:schemas-microsoft-com:office:office" xmlns:v="urn:schemas-microsoft-com:vml" xmlns:pvml="urn:schemas-microsoft-com:office:powerpoint" xmlns:com="http://schemas.openxmlformats.org/drawingml/2006/compatibility" xmlns:p14="http://schemas.microsoft.com/office/powerpoint/2010/main" xmlns:p15="http://schemas.microsoft.com/office/powerpoint/2012/main" xmlns:ahyp="http://schemas.microsoft.com/office/drawing/2018/hyperlinkcolor">
+  <p:cSld>
+    <p:spTree>
+      <p:nvGrpSpPr>
+        <p:cNvPr id="155" name="Shape 155"/>
+        <p:cNvGrpSpPr/>
+        <p:nvPr/>
+      </p:nvGrpSpPr>
+      <p:grpSpPr>
+        <a:xfrm>
+          <a:off x="0" y="0"/>
+          <a:ext cx="0" cy="0"/>
+          <a:chOff x="0" y="0"/>
+          <a:chExt cx="0" cy="0"/>
+        </a:xfrm>
+      </p:grpSpPr>
+      <p:sp>
+        <p:nvSpPr>
+          <p:cNvPr id="156" name="Google Shape;156;p23"/>
+          <p:cNvSpPr txBox="1"/>
+          <p:nvPr>
+            <p:ph type="ctrTitle"/>
+          </p:nvPr>
+        </p:nvSpPr>
+        <p:spPr>
+          <a:xfrm>
+            <a:off x="3088875" y="373722"/>
+            <a:ext cx="8222100" cy="838800"/>
+          </a:xfrm>
+          <a:prstGeom prst="rect">
+            <a:avLst/>
+          </a:prstGeom>
+        </p:spPr>
+        <p:txBody>
+          <a:bodyPr anchorCtr="0" anchor="b" bIns="91425" lIns="91425" spcFirstLastPara="1" rIns="91425" wrap="square" tIns="91425">
+            <a:noAutofit/>
+          </a:bodyPr>
+          <a:lstStyle/>
+          <a:p>
+            <a:pPr indent="0" lvl="0" marL="0" rtl="0" algn="l">
+              <a:spcBef>
+                <a:spcPts val="0"/>
+              </a:spcBef>
+              <a:spcAft>
+                <a:spcPts val="0"/>
+              </a:spcAft>
+              <a:buNone/>
+            </a:pPr>
+            <a:r>
+              <a:rPr lang="en"/>
+              <a:t>Questions?</a:t>
+            </a:r>
+            <a:endParaRPr/>
+          </a:p>
+        </p:txBody>
+      </p:sp>
+      <p:sp>
+        <p:nvSpPr>
+          <p:cNvPr id="157" name="Google Shape;157;p23"/>
+          <p:cNvSpPr txBox="1"/>
+          <p:nvPr>
+            <p:ph idx="1" type="subTitle"/>
+          </p:nvPr>
+        </p:nvSpPr>
+        <p:spPr>
+          <a:xfrm>
+            <a:off x="2850500" y="3973265"/>
+            <a:ext cx="8222100" cy="983400"/>
+          </a:xfrm>
+          <a:prstGeom prst="rect">
+            <a:avLst/>
+          </a:prstGeom>
+        </p:spPr>
+        <p:txBody>
+          <a:bodyPr anchorCtr="0" anchor="t" bIns="91425" lIns="91425" spcFirstLastPara="1" rIns="91425" wrap="square" tIns="91425">
+            <a:noAutofit/>
+          </a:bodyPr>
+          <a:lstStyle/>
+          <a:p>
+            <a:pPr indent="0" lvl="0" marL="0" rtl="0" algn="l">
+              <a:spcBef>
+                <a:spcPts val="0"/>
+              </a:spcBef>
+              <a:spcAft>
+                <a:spcPts val="0"/>
+              </a:spcAft>
+              <a:buNone/>
+            </a:pPr>
+            <a:r>
+              <a:rPr lang="en" sz="2000"/>
+              <a:t>Walter.i.castillo.mil@mail.mil</a:t>
+            </a:r>
+            <a:endParaRPr sz="2000"/>
+          </a:p>
+          <a:p>
+            <a:pPr indent="0" lvl="0" marL="0" rtl="0" algn="l">
+              <a:spcBef>
+                <a:spcPts val="0"/>
+              </a:spcBef>
+              <a:spcAft>
+                <a:spcPts val="0"/>
+              </a:spcAft>
+              <a:buNone/>
+            </a:pPr>
+            <a:r>
+              <a:rPr lang="en" sz="2000"/>
+              <a:t>Github.com/Waltercas</a:t>
+            </a:r>
+            <a:endParaRPr sz="2000"/>
+          </a:p>
+        </p:txBody>
+      </p:sp>
       <p:pic>
         <p:nvPicPr>
-          <p:cNvPr id="167" name="Google Shape;167;p22"/>
+          <p:cNvPr id="158" name="Google Shape;158;p23"/>
           <p:cNvPicPr preferRelativeResize="0"/>
           <p:nvPr/>
         </p:nvPicPr>
@@ -8660,8 +9147,8 @@
         </p:blipFill>
         <p:spPr>
           <a:xfrm>
-            <a:off x="958375" y="661300"/>
-            <a:ext cx="7227251" cy="3820900"/>
+            <a:off x="3004799" y="1396335"/>
+            <a:ext cx="3134424" cy="2350818"/>
           </a:xfrm>
           <a:prstGeom prst="rect">
             <a:avLst/>
@@ -8680,12 +9167,12 @@
 </p:sld>
 </file>
 
-<file path=ppt/slides/slide11.xml><?xml version="1.0" encoding="utf-8"?>
+<file path=ppt/slides/slide12.xml><?xml version="1.0" encoding="utf-8"?>
 <p:sld xmlns:a="http://schemas.openxmlformats.org/drawingml/2006/main" xmlns:r="http://schemas.openxmlformats.org/officeDocument/2006/relationships" xmlns:mc="http://schemas.openxmlformats.org/markup-compatibility/2006" xmlns:mv="urn:schemas-microsoft-com:mac:vml" xmlns:p="http://schemas.openxmlformats.org/presentationml/2006/main" xmlns:c="http://schemas.openxmlformats.org/drawingml/2006/chart" xmlns:dgm="http://schemas.openxmlformats.org/drawingml/2006/diagram" xmlns:o="urn:schemas-microsoft-com:office:office" xmlns:v="urn:schemas-microsoft-com:vml" xmlns:pvml="urn:schemas-microsoft-com:office:powerpoint" xmlns:com="http://schemas.openxmlformats.org/drawingml/2006/compatibility" xmlns:p14="http://schemas.microsoft.com/office/powerpoint/2010/main" xmlns:p15="http://schemas.microsoft.com/office/powerpoint/2012/main" xmlns:ahyp="http://schemas.microsoft.com/office/drawing/2018/hyperlinkcolor">
   <p:cSld>
     <p:spTree>
       <p:nvGrpSpPr>
-        <p:cNvPr id="171" name="Shape 171"/>
+        <p:cNvPr id="162" name="Shape 162"/>
         <p:cNvGrpSpPr/>
         <p:nvPr/>
       </p:nvGrpSpPr>
@@ -8699,7 +9186,7 @@
       </p:grpSpPr>
       <p:pic>
         <p:nvPicPr>
-          <p:cNvPr id="172" name="Google Shape;172;p23"/>
+          <p:cNvPr id="163" name="Google Shape;163;p24"/>
           <p:cNvPicPr preferRelativeResize="0"/>
           <p:nvPr/>
         </p:nvPicPr>
@@ -8733,12 +9220,12 @@
 </p:sld>
 </file>
 
-<file path=ppt/slides/slide12.xml><?xml version="1.0" encoding="utf-8"?>
+<file path=ppt/slides/slide13.xml><?xml version="1.0" encoding="utf-8"?>
 <p:sld xmlns:a="http://schemas.openxmlformats.org/drawingml/2006/main" xmlns:r="http://schemas.openxmlformats.org/officeDocument/2006/relationships" xmlns:mc="http://schemas.openxmlformats.org/markup-compatibility/2006" xmlns:mv="urn:schemas-microsoft-com:mac:vml" xmlns:p="http://schemas.openxmlformats.org/presentationml/2006/main" xmlns:c="http://schemas.openxmlformats.org/drawingml/2006/chart" xmlns:dgm="http://schemas.openxmlformats.org/drawingml/2006/diagram" xmlns:o="urn:schemas-microsoft-com:office:office" xmlns:v="urn:schemas-microsoft-com:vml" xmlns:pvml="urn:schemas-microsoft-com:office:powerpoint" xmlns:com="http://schemas.openxmlformats.org/drawingml/2006/compatibility" xmlns:p14="http://schemas.microsoft.com/office/powerpoint/2010/main" xmlns:p15="http://schemas.microsoft.com/office/powerpoint/2012/main" xmlns:ahyp="http://schemas.microsoft.com/office/drawing/2018/hyperlinkcolor">
   <p:cSld>
     <p:spTree>
       <p:nvGrpSpPr>
-        <p:cNvPr id="176" name="Shape 176"/>
+        <p:cNvPr id="167" name="Shape 167"/>
         <p:cNvGrpSpPr/>
         <p:nvPr/>
       </p:nvGrpSpPr>
@@ -8752,7 +9239,7 @@
       </p:grpSpPr>
       <p:pic>
         <p:nvPicPr>
-          <p:cNvPr id="177" name="Google Shape;177;p24"/>
+          <p:cNvPr id="168" name="Google Shape;168;p25"/>
           <p:cNvPicPr preferRelativeResize="0"/>
           <p:nvPr/>
         </p:nvPicPr>
@@ -9085,129 +9572,28 @@
               <a:buNone/>
             </a:pPr>
             <a:r>
-              <a:rPr lang="en" sz="2700"/>
+              <a:rPr lang="en"/>
               <a:t>Why Knowing </a:t>
             </a:r>
             <a:r>
-              <a:rPr lang="en" sz="2700"/>
-              <a:t>Service Member</a:t>
-            </a:r>
-            <a:r>
-              <a:rPr lang="en" sz="2700"/>
-              <a:t> Demographics matter.</a:t>
-            </a:r>
-            <a:endParaRPr sz="2700"/>
+              <a:rPr lang="en"/>
+              <a:t>Service </a:t>
+            </a:r>
+            <a:r>
+              <a:rPr lang="en"/>
+              <a:t>Member</a:t>
+            </a:r>
+            <a:r>
+              <a:rPr lang="en"/>
+              <a:t> Demographics Matters</a:t>
+            </a:r>
+            <a:endParaRPr/>
           </a:p>
         </p:txBody>
       </p:sp>
-      <p:grpSp>
-        <p:nvGrpSpPr>
-          <p:cNvPr id="100" name="Google Shape;100;p15"/>
-          <p:cNvGrpSpPr/>
-          <p:nvPr/>
-        </p:nvGrpSpPr>
-        <p:grpSpPr>
-          <a:xfrm>
-            <a:off x="431925" y="1304875"/>
-            <a:ext cx="2628925" cy="3416400"/>
-            <a:chOff x="431925" y="1304875"/>
-            <a:chExt cx="2628925" cy="3416400"/>
-          </a:xfrm>
-        </p:grpSpPr>
-        <p:sp>
-          <p:nvSpPr>
-            <p:cNvPr id="101" name="Google Shape;101;p15"/>
-            <p:cNvSpPr txBox="1"/>
-            <p:nvPr/>
-          </p:nvSpPr>
-          <p:spPr>
-            <a:xfrm>
-              <a:off x="431925" y="1304875"/>
-              <a:ext cx="2628900" cy="464100"/>
-            </a:xfrm>
-            <a:prstGeom prst="rect">
-              <a:avLst/>
-            </a:prstGeom>
-            <a:solidFill>
-              <a:schemeClr val="dk1"/>
-            </a:solidFill>
-            <a:ln>
-              <a:noFill/>
-            </a:ln>
-          </p:spPr>
-          <p:txBody>
-            <a:bodyPr anchorCtr="0" anchor="ctr" bIns="91425" lIns="91425" spcFirstLastPara="1" rIns="91425" wrap="square" tIns="91425">
-              <a:noAutofit/>
-            </a:bodyPr>
-            <a:lstStyle/>
-            <a:p>
-              <a:pPr indent="0" lvl="0" marL="0" rtl="0" algn="l">
-                <a:spcBef>
-                  <a:spcPts val="0"/>
-                </a:spcBef>
-                <a:spcAft>
-                  <a:spcPts val="0"/>
-                </a:spcAft>
-                <a:buNone/>
-              </a:pPr>
-              <a:r>
-                <a:t/>
-              </a:r>
-              <a:endParaRPr/>
-            </a:p>
-          </p:txBody>
-        </p:sp>
-        <p:sp>
-          <p:nvSpPr>
-            <p:cNvPr id="102" name="Google Shape;102;p15"/>
-            <p:cNvSpPr/>
-            <p:nvPr/>
-          </p:nvSpPr>
-          <p:spPr>
-            <a:xfrm>
-              <a:off x="431950" y="1304875"/>
-              <a:ext cx="2628900" cy="3416400"/>
-            </a:xfrm>
-            <a:prstGeom prst="rect">
-              <a:avLst/>
-            </a:prstGeom>
-            <a:noFill/>
-            <a:ln cap="flat" cmpd="sng" w="9525">
-              <a:solidFill>
-                <a:schemeClr val="dk1"/>
-              </a:solidFill>
-              <a:prstDash val="solid"/>
-              <a:round/>
-              <a:headEnd len="sm" w="sm" type="none"/>
-              <a:tailEnd len="sm" w="sm" type="none"/>
-            </a:ln>
-          </p:spPr>
-          <p:txBody>
-            <a:bodyPr anchorCtr="0" anchor="ctr" bIns="91425" lIns="91425" spcFirstLastPara="1" rIns="91425" wrap="square" tIns="91425">
-              <a:noAutofit/>
-            </a:bodyPr>
-            <a:lstStyle/>
-            <a:p>
-              <a:pPr indent="0" lvl="0" marL="0" rtl="0" algn="l">
-                <a:spcBef>
-                  <a:spcPts val="0"/>
-                </a:spcBef>
-                <a:spcAft>
-                  <a:spcPts val="0"/>
-                </a:spcAft>
-                <a:buNone/>
-              </a:pPr>
-              <a:r>
-                <a:t/>
-              </a:r>
-              <a:endParaRPr/>
-            </a:p>
-          </p:txBody>
-        </p:sp>
-      </p:grpSp>
       <p:sp>
         <p:nvSpPr>
-          <p:cNvPr id="103" name="Google Shape;103;p15"/>
+          <p:cNvPr id="100" name="Google Shape;100;p15"/>
           <p:cNvSpPr txBox="1"/>
           <p:nvPr>
             <p:ph idx="4294967295" type="body"/>
@@ -9255,152 +9641,7 @@
       </p:sp>
       <p:sp>
         <p:nvSpPr>
-          <p:cNvPr id="104" name="Google Shape;104;p15"/>
-          <p:cNvSpPr txBox="1"/>
-          <p:nvPr>
-            <p:ph idx="4294967295" type="body"/>
-          </p:nvPr>
-        </p:nvSpPr>
-        <p:spPr>
-          <a:xfrm>
-            <a:off x="508325" y="1850300"/>
-            <a:ext cx="2478600" cy="2794800"/>
-          </a:xfrm>
-          <a:prstGeom prst="rect">
-            <a:avLst/>
-          </a:prstGeom>
-        </p:spPr>
-        <p:txBody>
-          <a:bodyPr anchorCtr="0" anchor="t" bIns="91425" lIns="91425" spcFirstLastPara="1" rIns="91425" wrap="square" tIns="91425">
-            <a:noAutofit/>
-          </a:bodyPr>
-          <a:lstStyle/>
-          <a:p>
-            <a:pPr indent="0" lvl="0" marL="0" rtl="0" algn="l">
-              <a:spcBef>
-                <a:spcPts val="0"/>
-              </a:spcBef>
-              <a:spcAft>
-                <a:spcPts val="1600"/>
-              </a:spcAft>
-              <a:buNone/>
-            </a:pPr>
-            <a:r>
-              <a:rPr lang="en" sz="1600"/>
-              <a:t>The Army is moving in a new direction where its warfighting capabilities are becoming more focused on the soldier. Readiness is a huge importance to us as leaders of soldiers.</a:t>
-            </a:r>
-            <a:endParaRPr sz="1600"/>
-          </a:p>
-        </p:txBody>
-      </p:sp>
-      <p:grpSp>
-        <p:nvGrpSpPr>
-          <p:cNvPr id="105" name="Google Shape;105;p15"/>
-          <p:cNvGrpSpPr/>
-          <p:nvPr/>
-        </p:nvGrpSpPr>
-        <p:grpSpPr>
-          <a:xfrm>
-            <a:off x="3320450" y="1304875"/>
-            <a:ext cx="2632500" cy="3416400"/>
-            <a:chOff x="3320450" y="1304875"/>
-            <a:chExt cx="2632500" cy="3416400"/>
-          </a:xfrm>
-        </p:grpSpPr>
-        <p:sp>
-          <p:nvSpPr>
-            <p:cNvPr id="106" name="Google Shape;106;p15"/>
-            <p:cNvSpPr txBox="1"/>
-            <p:nvPr/>
-          </p:nvSpPr>
-          <p:spPr>
-            <a:xfrm>
-              <a:off x="3324050" y="1304875"/>
-              <a:ext cx="2628900" cy="464100"/>
-            </a:xfrm>
-            <a:prstGeom prst="rect">
-              <a:avLst/>
-            </a:prstGeom>
-            <a:solidFill>
-              <a:schemeClr val="dk1"/>
-            </a:solidFill>
-            <a:ln>
-              <a:noFill/>
-            </a:ln>
-          </p:spPr>
-          <p:txBody>
-            <a:bodyPr anchorCtr="0" anchor="ctr" bIns="91425" lIns="91425" spcFirstLastPara="1" rIns="91425" wrap="square" tIns="91425">
-              <a:noAutofit/>
-            </a:bodyPr>
-            <a:lstStyle/>
-            <a:p>
-              <a:pPr indent="0" lvl="0" marL="0" rtl="0" algn="l">
-                <a:spcBef>
-                  <a:spcPts val="0"/>
-                </a:spcBef>
-                <a:spcAft>
-                  <a:spcPts val="0"/>
-                </a:spcAft>
-                <a:buNone/>
-              </a:pPr>
-              <a:r>
-                <a:t/>
-              </a:r>
-              <a:endParaRPr/>
-            </a:p>
-          </p:txBody>
-        </p:sp>
-        <p:sp>
-          <p:nvSpPr>
-            <p:cNvPr id="107" name="Google Shape;107;p15"/>
-            <p:cNvSpPr/>
-            <p:nvPr/>
-          </p:nvSpPr>
-          <p:spPr>
-            <a:xfrm>
-              <a:off x="3320450" y="1304875"/>
-              <a:ext cx="2628900" cy="3416400"/>
-            </a:xfrm>
-            <a:prstGeom prst="rect">
-              <a:avLst/>
-            </a:prstGeom>
-            <a:noFill/>
-            <a:ln cap="flat" cmpd="sng" w="9525">
-              <a:solidFill>
-                <a:schemeClr val="dk1"/>
-              </a:solidFill>
-              <a:prstDash val="solid"/>
-              <a:round/>
-              <a:headEnd len="sm" w="sm" type="none"/>
-              <a:tailEnd len="sm" w="sm" type="none"/>
-            </a:ln>
-          </p:spPr>
-          <p:txBody>
-            <a:bodyPr anchorCtr="0" anchor="ctr" bIns="91425" lIns="91425" spcFirstLastPara="1" rIns="91425" wrap="square" tIns="91425">
-              <a:noAutofit/>
-            </a:bodyPr>
-            <a:lstStyle/>
-            <a:p>
-              <a:pPr indent="0" lvl="0" marL="0" rtl="0" algn="l">
-                <a:spcBef>
-                  <a:spcPts val="0"/>
-                </a:spcBef>
-                <a:spcAft>
-                  <a:spcPts val="0"/>
-                </a:spcAft>
-                <a:buNone/>
-              </a:pPr>
-              <a:r>
-                <a:t/>
-              </a:r>
-              <a:endParaRPr/>
-            </a:p>
-          </p:txBody>
-        </p:sp>
-      </p:grpSp>
-      <p:sp>
-        <p:nvSpPr>
-          <p:cNvPr id="108" name="Google Shape;108;p15"/>
+          <p:cNvPr id="101" name="Google Shape;101;p15"/>
           <p:cNvSpPr txBox="1"/>
           <p:nvPr>
             <p:ph idx="4294967295" type="body"/>
@@ -9448,7 +9689,7 @@
       </p:sp>
       <p:sp>
         <p:nvSpPr>
-          <p:cNvPr id="109" name="Google Shape;109;p15"/>
+          <p:cNvPr id="102" name="Google Shape;102;p15"/>
           <p:cNvSpPr txBox="1"/>
           <p:nvPr>
             <p:ph idx="4294967295" type="body"/>
@@ -9456,8 +9697,8 @@
         </p:nvSpPr>
         <p:spPr>
           <a:xfrm>
-            <a:off x="3396775" y="1850300"/>
-            <a:ext cx="2478600" cy="2794800"/>
+            <a:off x="376400" y="1507350"/>
+            <a:ext cx="8520600" cy="3339000"/>
           </a:xfrm>
           <a:prstGeom prst="rect">
             <a:avLst/>
@@ -9469,240 +9710,85 @@
           </a:bodyPr>
           <a:lstStyle/>
           <a:p>
-            <a:pPr indent="0" lvl="0" marL="0" rtl="0" algn="l">
-              <a:spcBef>
-                <a:spcPts val="0"/>
-              </a:spcBef>
-              <a:spcAft>
-                <a:spcPts val="0"/>
-              </a:spcAft>
-              <a:buNone/>
+            <a:pPr indent="-342900" lvl="0" marL="457200" rtl="0" algn="l">
+              <a:spcBef>
+                <a:spcPts val="0"/>
+              </a:spcBef>
+              <a:spcAft>
+                <a:spcPts val="0"/>
+              </a:spcAft>
+              <a:buSzPts val="1800"/>
+              <a:buChar char="●"/>
             </a:pPr>
             <a:r>
-              <a:rPr lang="en" sz="1600"/>
-              <a:t>Knowing about things like soldiers marital status helps us better meet their needs. </a:t>
-            </a:r>
-            <a:endParaRPr sz="1600"/>
+              <a:rPr lang="en"/>
+              <a:t>New Army, New Direction</a:t>
+            </a:r>
+            <a:endParaRPr/>
           </a:p>
           <a:p>
-            <a:pPr indent="0" lvl="0" marL="0" rtl="0" algn="l">
-              <a:spcBef>
-                <a:spcPts val="1600"/>
-              </a:spcBef>
-              <a:spcAft>
-                <a:spcPts val="1600"/>
-              </a:spcAft>
-              <a:buNone/>
+            <a:pPr indent="-342900" lvl="0" marL="457200" rtl="0" algn="l">
+              <a:spcBef>
+                <a:spcPts val="0"/>
+              </a:spcBef>
+              <a:spcAft>
+                <a:spcPts val="0"/>
+              </a:spcAft>
+              <a:buSzPts val="1800"/>
+              <a:buChar char="●"/>
             </a:pPr>
             <a:r>
-              <a:rPr lang="en" sz="1600"/>
-              <a:t>Married soldiers have special needs like housing,  childcare and family counseling</a:t>
-            </a:r>
-            <a:endParaRPr sz="1600"/>
+              <a:rPr lang="en"/>
+              <a:t>Why Marital Status Matters</a:t>
+            </a:r>
+            <a:endParaRPr/>
+          </a:p>
+          <a:p>
+            <a:pPr indent="-342900" lvl="0" marL="457200" rtl="0" algn="l">
+              <a:spcBef>
+                <a:spcPts val="0"/>
+              </a:spcBef>
+              <a:spcAft>
+                <a:spcPts val="0"/>
+              </a:spcAft>
+              <a:buSzPts val="1800"/>
+              <a:buChar char="●"/>
+            </a:pPr>
+            <a:r>
+              <a:rPr lang="en"/>
+              <a:t>Different Status Different Needs</a:t>
+            </a:r>
+            <a:endParaRPr/>
           </a:p>
         </p:txBody>
       </p:sp>
-      <p:grpSp>
-        <p:nvGrpSpPr>
-          <p:cNvPr id="110" name="Google Shape;110;p15"/>
-          <p:cNvGrpSpPr/>
+      <p:pic>
+        <p:nvPicPr>
+          <p:cNvPr id="103" name="Google Shape;103;p15"/>
+          <p:cNvPicPr preferRelativeResize="0"/>
           <p:nvPr/>
-        </p:nvGrpSpPr>
-        <p:grpSpPr>
-          <a:xfrm>
-            <a:off x="6212550" y="1304875"/>
-            <a:ext cx="2632500" cy="3416400"/>
-            <a:chOff x="6212550" y="1304875"/>
-            <a:chExt cx="2632500" cy="3416400"/>
-          </a:xfrm>
-        </p:grpSpPr>
-        <p:sp>
-          <p:nvSpPr>
-            <p:cNvPr id="111" name="Google Shape;111;p15"/>
-            <p:cNvSpPr/>
-            <p:nvPr/>
-          </p:nvSpPr>
-          <p:spPr>
-            <a:xfrm>
-              <a:off x="6215400" y="1304875"/>
-              <a:ext cx="2628900" cy="3416400"/>
-            </a:xfrm>
-            <a:prstGeom prst="rect">
-              <a:avLst/>
-            </a:prstGeom>
-            <a:noFill/>
-            <a:ln cap="flat" cmpd="sng" w="9525">
-              <a:solidFill>
-                <a:schemeClr val="dk1"/>
-              </a:solidFill>
-              <a:prstDash val="solid"/>
-              <a:round/>
-              <a:headEnd len="sm" w="sm" type="none"/>
-              <a:tailEnd len="sm" w="sm" type="none"/>
-            </a:ln>
-          </p:spPr>
-          <p:txBody>
-            <a:bodyPr anchorCtr="0" anchor="ctr" bIns="91425" lIns="91425" spcFirstLastPara="1" rIns="91425" wrap="square" tIns="91425">
-              <a:noAutofit/>
-            </a:bodyPr>
-            <a:lstStyle/>
-            <a:p>
-              <a:pPr indent="0" lvl="0" marL="0" rtl="0" algn="l">
-                <a:spcBef>
-                  <a:spcPts val="0"/>
-                </a:spcBef>
-                <a:spcAft>
-                  <a:spcPts val="0"/>
-                </a:spcAft>
-                <a:buNone/>
-              </a:pPr>
-              <a:r>
-                <a:t/>
-              </a:r>
-              <a:endParaRPr/>
-            </a:p>
-          </p:txBody>
-        </p:sp>
-        <p:sp>
-          <p:nvSpPr>
-            <p:cNvPr id="112" name="Google Shape;112;p15"/>
-            <p:cNvSpPr txBox="1"/>
-            <p:nvPr/>
-          </p:nvSpPr>
-          <p:spPr>
-            <a:xfrm>
-              <a:off x="6212550" y="1304875"/>
-              <a:ext cx="2632500" cy="464100"/>
-            </a:xfrm>
-            <a:prstGeom prst="rect">
-              <a:avLst/>
-            </a:prstGeom>
-            <a:solidFill>
-              <a:schemeClr val="dk1"/>
-            </a:solidFill>
-            <a:ln>
-              <a:noFill/>
-            </a:ln>
-          </p:spPr>
-          <p:txBody>
-            <a:bodyPr anchorCtr="0" anchor="ctr" bIns="91425" lIns="91425" spcFirstLastPara="1" rIns="91425" wrap="square" tIns="91425">
-              <a:noAutofit/>
-            </a:bodyPr>
-            <a:lstStyle/>
-            <a:p>
-              <a:pPr indent="0" lvl="0" marL="0" rtl="0" algn="l">
-                <a:spcBef>
-                  <a:spcPts val="0"/>
-                </a:spcBef>
-                <a:spcAft>
-                  <a:spcPts val="0"/>
-                </a:spcAft>
-                <a:buNone/>
-              </a:pPr>
-              <a:r>
-                <a:t/>
-              </a:r>
-              <a:endParaRPr/>
-            </a:p>
-          </p:txBody>
-        </p:sp>
-      </p:grpSp>
-      <p:sp>
-        <p:nvSpPr>
-          <p:cNvPr id="113" name="Google Shape;113;p15"/>
-          <p:cNvSpPr txBox="1"/>
-          <p:nvPr>
-            <p:ph idx="4294967295" type="body"/>
-          </p:nvPr>
-        </p:nvSpPr>
+        </p:nvPicPr>
+        <p:blipFill rotWithShape="1">
+          <a:blip r:embed="rId3">
+            <a:alphaModFix/>
+          </a:blip>
+          <a:srcRect b="0" l="0" r="0" t="23005"/>
+          <a:stretch/>
+        </p:blipFill>
         <p:spPr>
           <a:xfrm>
-            <a:off x="6272475" y="1304875"/>
-            <a:ext cx="2494500" cy="461400"/>
+            <a:off x="3743400" y="2571750"/>
+            <a:ext cx="5088899" cy="2443300"/>
           </a:xfrm>
           <a:prstGeom prst="rect">
             <a:avLst/>
           </a:prstGeom>
+          <a:noFill/>
+          <a:ln>
+            <a:noFill/>
+          </a:ln>
         </p:spPr>
-        <p:txBody>
-          <a:bodyPr anchorCtr="0" anchor="t" bIns="91425" lIns="91425" spcFirstLastPara="1" rIns="91425" wrap="square" tIns="91425">
-            <a:noAutofit/>
-          </a:bodyPr>
-          <a:lstStyle/>
-          <a:p>
-            <a:pPr indent="0" lvl="0" marL="0" rtl="0" algn="l">
-              <a:spcBef>
-                <a:spcPts val="0"/>
-              </a:spcBef>
-              <a:spcAft>
-                <a:spcPts val="0"/>
-              </a:spcAft>
-              <a:buNone/>
-            </a:pPr>
-            <a:r>
-              <a:rPr lang="en">
-                <a:solidFill>
-                  <a:schemeClr val="lt1"/>
-                </a:solidFill>
-              </a:rPr>
-              <a:t>Different Needs</a:t>
-            </a:r>
-            <a:endParaRPr>
-              <a:solidFill>
-                <a:schemeClr val="lt1"/>
-              </a:solidFill>
-            </a:endParaRPr>
-          </a:p>
-        </p:txBody>
-      </p:sp>
-      <p:sp>
-        <p:nvSpPr>
-          <p:cNvPr id="114" name="Google Shape;114;p15"/>
-          <p:cNvSpPr txBox="1"/>
-          <p:nvPr>
-            <p:ph idx="4294967295" type="body"/>
-          </p:nvPr>
-        </p:nvSpPr>
-        <p:spPr>
-          <a:xfrm>
-            <a:off x="6286400" y="1850300"/>
-            <a:ext cx="2478600" cy="2794800"/>
-          </a:xfrm>
-          <a:prstGeom prst="rect">
-            <a:avLst/>
-          </a:prstGeom>
-        </p:spPr>
-        <p:txBody>
-          <a:bodyPr anchorCtr="0" anchor="t" bIns="91425" lIns="91425" spcFirstLastPara="1" rIns="91425" wrap="square" tIns="91425">
-            <a:noAutofit/>
-          </a:bodyPr>
-          <a:lstStyle/>
-          <a:p>
-            <a:pPr indent="0" lvl="0" marL="0" rtl="0" algn="l">
-              <a:spcBef>
-                <a:spcPts val="0"/>
-              </a:spcBef>
-              <a:spcAft>
-                <a:spcPts val="1600"/>
-              </a:spcAft>
-              <a:buNone/>
-            </a:pPr>
-            <a:r>
-              <a:rPr lang="en" sz="1600"/>
-              <a:t>As a single soldier it is easy to feel like you are missing out on benefits compared to married soldiers. I believe single soldiers have different needs which need to be </a:t>
-            </a:r>
-            <a:r>
-              <a:rPr lang="en" sz="1600"/>
-              <a:t>fulfilled</a:t>
-            </a:r>
-            <a:r>
-              <a:rPr lang="en" sz="1600"/>
-              <a:t> as much as married soldiers needs.</a:t>
-            </a:r>
-            <a:endParaRPr sz="1600"/>
-          </a:p>
-        </p:txBody>
-      </p:sp>
+      </p:pic>
     </p:spTree>
   </p:cSld>
   <p:clrMapOvr>
@@ -9716,7 +9802,7 @@
   <p:cSld>
     <p:spTree>
       <p:nvGrpSpPr>
-        <p:cNvPr id="118" name="Shape 118"/>
+        <p:cNvPr id="107" name="Shape 107"/>
         <p:cNvGrpSpPr/>
         <p:nvPr/>
       </p:nvGrpSpPr>
@@ -9730,7 +9816,7 @@
       </p:grpSpPr>
       <p:sp>
         <p:nvSpPr>
-          <p:cNvPr id="119" name="Google Shape;119;p16"/>
+          <p:cNvPr id="108" name="Google Shape;108;p16"/>
           <p:cNvSpPr txBox="1"/>
           <p:nvPr>
             <p:ph type="title"/>
@@ -9770,7 +9856,7 @@
       </p:sp>
       <p:sp>
         <p:nvSpPr>
-          <p:cNvPr id="120" name="Google Shape;120;p16"/>
+          <p:cNvPr id="109" name="Google Shape;109;p16"/>
           <p:cNvSpPr txBox="1"/>
           <p:nvPr>
             <p:ph idx="4294967295" type="body"/>
@@ -9821,7 +9907,7 @@
       </p:sp>
       <p:sp>
         <p:nvSpPr>
-          <p:cNvPr id="121" name="Google Shape;121;p16"/>
+          <p:cNvPr id="110" name="Google Shape;110;p16"/>
           <p:cNvSpPr txBox="1"/>
           <p:nvPr>
             <p:ph idx="4294967295" type="body"/>
@@ -9872,7 +9958,7 @@
       </p:sp>
       <p:pic>
         <p:nvPicPr>
-          <p:cNvPr id="122" name="Google Shape;122;p16"/>
+          <p:cNvPr id="111" name="Google Shape;111;p16"/>
           <p:cNvPicPr preferRelativeResize="0"/>
           <p:nvPr/>
         </p:nvPicPr>
@@ -9900,14 +9986,14 @@
       </p:pic>
       <p:sp>
         <p:nvSpPr>
-          <p:cNvPr id="123" name="Google Shape;123;p16"/>
+          <p:cNvPr id="112" name="Google Shape;112;p16"/>
           <p:cNvSpPr txBox="1"/>
           <p:nvPr/>
         </p:nvSpPr>
         <p:spPr>
           <a:xfrm>
             <a:off x="432350" y="2852075"/>
-            <a:ext cx="8079000" cy="1662300"/>
+            <a:ext cx="8079000" cy="1949700"/>
           </a:xfrm>
           <a:prstGeom prst="rect">
             <a:avLst/>
@@ -9919,24 +10005,29 @@
         </p:spPr>
         <p:txBody>
           <a:bodyPr anchorCtr="0" anchor="t" bIns="91425" lIns="91425" spcFirstLastPara="1" rIns="91425" wrap="square" tIns="91425">
-            <a:spAutoFit/>
+            <a:noAutofit/>
           </a:bodyPr>
           <a:lstStyle/>
           <a:p>
-            <a:pPr indent="0" lvl="0" marL="0" rtl="0" algn="l">
+            <a:pPr indent="-342900" lvl="0" marL="457200" rtl="0" algn="l">
               <a:lnSpc>
-                <a:spcPct val="100000"/>
+                <a:spcPct val="115000"/>
               </a:lnSpc>
               <a:spcBef>
                 <a:spcPts val="0"/>
               </a:spcBef>
               <a:spcAft>
-                <a:spcPts val="1600"/>
-              </a:spcAft>
-              <a:buNone/>
+                <a:spcPts val="0"/>
+              </a:spcAft>
+              <a:buClr>
+                <a:schemeClr val="dk2"/>
+              </a:buClr>
+              <a:buSzPts val="1800"/>
+              <a:buFont typeface="Roboto"/>
+              <a:buChar char="●"/>
             </a:pPr>
             <a:r>
-              <a:rPr lang="en" sz="1600">
+              <a:rPr lang="en" sz="1800">
                 <a:solidFill>
                   <a:schemeClr val="dk2"/>
                 </a:solidFill>
@@ -9945,9 +10036,132 @@
                 <a:cs typeface="Roboto"/>
                 <a:sym typeface="Roboto"/>
               </a:rPr>
-              <a:t>Dataframe was acquired from Data.gov and was created in 2010                                     Data consists of active duty service members by rank and the total amount by marital status.                                                                                                                                           The ‘Pay Grade’ column is categorical while the rest are numerical.                                        Rows contain paygrades in ascending order from E-1 to O-10                                               There was no data missing or nan’s.</a:t>
-            </a:r>
-            <a:endParaRPr sz="1600">
+              <a:t>Data acquired from Data.gov created in 2010</a:t>
+            </a:r>
+            <a:endParaRPr sz="1800">
+              <a:solidFill>
+                <a:schemeClr val="dk2"/>
+              </a:solidFill>
+              <a:latin typeface="Roboto"/>
+              <a:ea typeface="Roboto"/>
+              <a:cs typeface="Roboto"/>
+              <a:sym typeface="Roboto"/>
+            </a:endParaRPr>
+          </a:p>
+          <a:p>
+            <a:pPr indent="-342900" lvl="0" marL="457200" rtl="0" algn="l">
+              <a:lnSpc>
+                <a:spcPct val="115000"/>
+              </a:lnSpc>
+              <a:spcBef>
+                <a:spcPts val="0"/>
+              </a:spcBef>
+              <a:spcAft>
+                <a:spcPts val="0"/>
+              </a:spcAft>
+              <a:buClr>
+                <a:schemeClr val="dk2"/>
+              </a:buClr>
+              <a:buSzPts val="1800"/>
+              <a:buFont typeface="Roboto"/>
+              <a:buChar char="●"/>
+            </a:pPr>
+            <a:r>
+              <a:rPr lang="en" sz="1800">
+                <a:solidFill>
+                  <a:schemeClr val="dk2"/>
+                </a:solidFill>
+                <a:latin typeface="Roboto"/>
+                <a:ea typeface="Roboto"/>
+                <a:cs typeface="Roboto"/>
+                <a:sym typeface="Roboto"/>
+              </a:rPr>
+              <a:t>1.5 million active duty service members</a:t>
+            </a:r>
+            <a:endParaRPr sz="1800">
+              <a:solidFill>
+                <a:schemeClr val="dk2"/>
+              </a:solidFill>
+              <a:latin typeface="Roboto"/>
+              <a:ea typeface="Roboto"/>
+              <a:cs typeface="Roboto"/>
+              <a:sym typeface="Roboto"/>
+            </a:endParaRPr>
+          </a:p>
+          <a:p>
+            <a:pPr indent="-342900" lvl="0" marL="457200" rtl="0" algn="l">
+              <a:lnSpc>
+                <a:spcPct val="115000"/>
+              </a:lnSpc>
+              <a:spcBef>
+                <a:spcPts val="0"/>
+              </a:spcBef>
+              <a:spcAft>
+                <a:spcPts val="0"/>
+              </a:spcAft>
+              <a:buClr>
+                <a:schemeClr val="dk2"/>
+              </a:buClr>
+              <a:buSzPts val="1800"/>
+              <a:buFont typeface="Roboto"/>
+              <a:buChar char="●"/>
+            </a:pPr>
+            <a:r>
+              <a:rPr lang="en" sz="1800">
+                <a:solidFill>
+                  <a:schemeClr val="dk2"/>
+                </a:solidFill>
+                <a:latin typeface="Roboto"/>
+                <a:ea typeface="Roboto"/>
+                <a:cs typeface="Roboto"/>
+                <a:sym typeface="Roboto"/>
+              </a:rPr>
+              <a:t>The ‘Pay Grade’ column is categorical while the rest are numerical.  </a:t>
+            </a:r>
+            <a:endParaRPr sz="1800">
+              <a:solidFill>
+                <a:schemeClr val="dk2"/>
+              </a:solidFill>
+              <a:latin typeface="Roboto"/>
+              <a:ea typeface="Roboto"/>
+              <a:cs typeface="Roboto"/>
+              <a:sym typeface="Roboto"/>
+            </a:endParaRPr>
+          </a:p>
+          <a:p>
+            <a:pPr indent="-342900" lvl="0" marL="457200" rtl="0" algn="l">
+              <a:lnSpc>
+                <a:spcPct val="115000"/>
+              </a:lnSpc>
+              <a:spcBef>
+                <a:spcPts val="0"/>
+              </a:spcBef>
+              <a:spcAft>
+                <a:spcPts val="0"/>
+              </a:spcAft>
+              <a:buClr>
+                <a:schemeClr val="dk2"/>
+              </a:buClr>
+              <a:buSzPts val="1800"/>
+              <a:buFont typeface="Roboto"/>
+              <a:buChar char="●"/>
+            </a:pPr>
+            <a:r>
+              <a:rPr lang="en" sz="1800">
+                <a:solidFill>
+                  <a:schemeClr val="dk2"/>
+                </a:solidFill>
+                <a:latin typeface="Roboto"/>
+                <a:ea typeface="Roboto"/>
+                <a:cs typeface="Roboto"/>
+                <a:sym typeface="Roboto"/>
+              </a:rPr>
+              <a:t>There was no data missing or nan’s.</a:t>
+            </a:r>
+            <a:endParaRPr sz="1800">
+              <a:solidFill>
+                <a:schemeClr val="dk2"/>
+              </a:solidFill>
               <a:latin typeface="Roboto"/>
               <a:ea typeface="Roboto"/>
               <a:cs typeface="Roboto"/>
@@ -9969,7 +10183,7 @@
   <p:cSld>
     <p:spTree>
       <p:nvGrpSpPr>
-        <p:cNvPr id="127" name="Shape 127"/>
+        <p:cNvPr id="116" name="Shape 116"/>
         <p:cNvGrpSpPr/>
         <p:nvPr/>
       </p:nvGrpSpPr>
@@ -9983,14 +10197,14 @@
       </p:grpSpPr>
       <p:sp>
         <p:nvSpPr>
-          <p:cNvPr id="128" name="Google Shape;128;p17"/>
+          <p:cNvPr id="117" name="Google Shape;117;p17"/>
           <p:cNvSpPr txBox="1"/>
           <p:nvPr/>
         </p:nvSpPr>
         <p:spPr>
           <a:xfrm>
             <a:off x="2713200" y="390050"/>
-            <a:ext cx="3717600" cy="461700"/>
+            <a:ext cx="3717600" cy="646500"/>
           </a:xfrm>
           <a:prstGeom prst="rect">
             <a:avLst/>
@@ -10016,7 +10230,7 @@
               <a:buNone/>
             </a:pPr>
             <a:r>
-              <a:rPr lang="en" sz="1800">
+              <a:rPr lang="en" sz="3000">
                 <a:solidFill>
                   <a:schemeClr val="lt1"/>
                 </a:solidFill>
@@ -10027,7 +10241,7 @@
               </a:rPr>
               <a:t>Data Exploring</a:t>
             </a:r>
-            <a:endParaRPr sz="1800">
+            <a:endParaRPr sz="3000">
               <a:solidFill>
                 <a:schemeClr val="lt1"/>
               </a:solidFill>
@@ -10041,7 +10255,7 @@
       </p:sp>
       <p:pic>
         <p:nvPicPr>
-          <p:cNvPr id="129" name="Google Shape;129;p17"/>
+          <p:cNvPr id="118" name="Google Shape;118;p17"/>
           <p:cNvPicPr preferRelativeResize="0"/>
           <p:nvPr/>
         </p:nvPicPr>
@@ -10049,13 +10263,13 @@
           <a:blip r:embed="rId3">
             <a:alphaModFix/>
           </a:blip>
-          <a:srcRect b="10542" l="3025" r="-25514" t="4776"/>
+          <a:srcRect b="0" l="0" r="0" t="0"/>
           <a:stretch/>
         </p:blipFill>
         <p:spPr>
           <a:xfrm>
-            <a:off x="280325" y="1194450"/>
-            <a:ext cx="5188000" cy="3376200"/>
+            <a:off x="2203663" y="1181050"/>
+            <a:ext cx="4736676" cy="3552500"/>
           </a:xfrm>
           <a:prstGeom prst="rect">
             <a:avLst/>
@@ -10066,137 +10280,6 @@
           </a:ln>
         </p:spPr>
       </p:pic>
-      <p:sp>
-        <p:nvSpPr>
-          <p:cNvPr id="130" name="Google Shape;130;p17"/>
-          <p:cNvSpPr txBox="1"/>
-          <p:nvPr/>
-        </p:nvSpPr>
-        <p:spPr>
-          <a:xfrm>
-            <a:off x="4948475" y="1925250"/>
-            <a:ext cx="3457200" cy="2093700"/>
-          </a:xfrm>
-          <a:prstGeom prst="rect">
-            <a:avLst/>
-          </a:prstGeom>
-          <a:noFill/>
-          <a:ln>
-            <a:noFill/>
-          </a:ln>
-        </p:spPr>
-        <p:txBody>
-          <a:bodyPr anchorCtr="0" anchor="t" bIns="91425" lIns="91425" spcFirstLastPara="1" rIns="91425" wrap="square" tIns="91425">
-            <a:spAutoFit/>
-          </a:bodyPr>
-          <a:lstStyle/>
-          <a:p>
-            <a:pPr indent="0" lvl="0" marL="0" rtl="0" algn="l">
-              <a:spcBef>
-                <a:spcPts val="0"/>
-              </a:spcBef>
-              <a:spcAft>
-                <a:spcPts val="0"/>
-              </a:spcAft>
-              <a:buNone/>
-            </a:pPr>
-            <a:r>
-              <a:rPr lang="en" sz="1800">
-                <a:solidFill>
-                  <a:schemeClr val="lt1"/>
-                </a:solidFill>
-                <a:latin typeface="Roboto"/>
-                <a:ea typeface="Roboto"/>
-                <a:cs typeface="Roboto"/>
-                <a:sym typeface="Roboto"/>
-              </a:rPr>
-              <a:t>This pie chart gives a quick </a:t>
-            </a:r>
-            <a:r>
-              <a:rPr lang="en" sz="1800">
-                <a:solidFill>
-                  <a:schemeClr val="lt1"/>
-                </a:solidFill>
-                <a:latin typeface="Roboto"/>
-                <a:ea typeface="Roboto"/>
-                <a:cs typeface="Roboto"/>
-                <a:sym typeface="Roboto"/>
-              </a:rPr>
-              <a:t>visualization</a:t>
-            </a:r>
-            <a:r>
-              <a:rPr lang="en" sz="1800">
-                <a:solidFill>
-                  <a:schemeClr val="lt1"/>
-                </a:solidFill>
-                <a:latin typeface="Roboto"/>
-                <a:ea typeface="Roboto"/>
-                <a:cs typeface="Roboto"/>
-                <a:sym typeface="Roboto"/>
-              </a:rPr>
-              <a:t> of how different marital statuses are distributed across all branches.  </a:t>
-            </a:r>
-            <a:endParaRPr sz="1800">
-              <a:solidFill>
-                <a:schemeClr val="lt1"/>
-              </a:solidFill>
-              <a:latin typeface="Roboto"/>
-              <a:ea typeface="Roboto"/>
-              <a:cs typeface="Roboto"/>
-              <a:sym typeface="Roboto"/>
-            </a:endParaRPr>
-          </a:p>
-          <a:p>
-            <a:pPr indent="0" lvl="0" marL="0" rtl="0" algn="l">
-              <a:lnSpc>
-                <a:spcPct val="115000"/>
-              </a:lnSpc>
-              <a:spcBef>
-                <a:spcPts val="0"/>
-              </a:spcBef>
-              <a:spcAft>
-                <a:spcPts val="0"/>
-              </a:spcAft>
-              <a:buNone/>
-            </a:pPr>
-            <a:r>
-              <a:t/>
-            </a:r>
-            <a:endParaRPr sz="1800">
-              <a:solidFill>
-                <a:schemeClr val="lt1"/>
-              </a:solidFill>
-              <a:latin typeface="Roboto"/>
-              <a:ea typeface="Roboto"/>
-              <a:cs typeface="Roboto"/>
-              <a:sym typeface="Roboto"/>
-            </a:endParaRPr>
-          </a:p>
-          <a:p>
-            <a:pPr indent="0" lvl="0" marL="0" rtl="0" algn="l">
-              <a:spcBef>
-                <a:spcPts val="1600"/>
-              </a:spcBef>
-              <a:spcAft>
-                <a:spcPts val="0"/>
-              </a:spcAft>
-              <a:buNone/>
-            </a:pPr>
-            <a:r>
-              <a:t/>
-            </a:r>
-            <a:endParaRPr sz="1800">
-              <a:solidFill>
-                <a:schemeClr val="lt1"/>
-              </a:solidFill>
-              <a:latin typeface="Roboto"/>
-              <a:ea typeface="Roboto"/>
-              <a:cs typeface="Roboto"/>
-              <a:sym typeface="Roboto"/>
-            </a:endParaRPr>
-          </a:p>
-        </p:txBody>
-      </p:sp>
     </p:spTree>
   </p:cSld>
   <p:clrMapOvr>
@@ -10210,7 +10293,60 @@
   <p:cSld>
     <p:spTree>
       <p:nvGrpSpPr>
-        <p:cNvPr id="134" name="Shape 134"/>
+        <p:cNvPr id="122" name="Shape 122"/>
+        <p:cNvGrpSpPr/>
+        <p:nvPr/>
+      </p:nvGrpSpPr>
+      <p:grpSpPr>
+        <a:xfrm>
+          <a:off x="0" y="0"/>
+          <a:ext cx="0" cy="0"/>
+          <a:chOff x="0" y="0"/>
+          <a:chExt cx="0" cy="0"/>
+        </a:xfrm>
+      </p:grpSpPr>
+      <p:pic>
+        <p:nvPicPr>
+          <p:cNvPr id="123" name="Google Shape;123;p18"/>
+          <p:cNvPicPr preferRelativeResize="0"/>
+          <p:nvPr/>
+        </p:nvPicPr>
+        <p:blipFill>
+          <a:blip r:embed="rId3">
+            <a:alphaModFix/>
+          </a:blip>
+          <a:stretch>
+            <a:fillRect/>
+          </a:stretch>
+        </p:blipFill>
+        <p:spPr>
+          <a:xfrm>
+            <a:off x="958375" y="661300"/>
+            <a:ext cx="7227251" cy="3820900"/>
+          </a:xfrm>
+          <a:prstGeom prst="rect">
+            <a:avLst/>
+          </a:prstGeom>
+          <a:noFill/>
+          <a:ln>
+            <a:noFill/>
+          </a:ln>
+        </p:spPr>
+      </p:pic>
+    </p:spTree>
+  </p:cSld>
+  <p:clrMapOvr>
+    <a:masterClrMapping/>
+  </p:clrMapOvr>
+</p:sld>
+</file>
+
+<file path=ppt/slides/slide7.xml><?xml version="1.0" encoding="utf-8"?>
+<p:sld xmlns:a="http://schemas.openxmlformats.org/drawingml/2006/main" xmlns:r="http://schemas.openxmlformats.org/officeDocument/2006/relationships" xmlns:mc="http://schemas.openxmlformats.org/markup-compatibility/2006" xmlns:mv="urn:schemas-microsoft-com:mac:vml" xmlns:p="http://schemas.openxmlformats.org/presentationml/2006/main" xmlns:c="http://schemas.openxmlformats.org/drawingml/2006/chart" xmlns:dgm="http://schemas.openxmlformats.org/drawingml/2006/diagram" xmlns:o="urn:schemas-microsoft-com:office:office" xmlns:v="urn:schemas-microsoft-com:vml" xmlns:pvml="urn:schemas-microsoft-com:office:powerpoint" xmlns:com="http://schemas.openxmlformats.org/drawingml/2006/compatibility" xmlns:p14="http://schemas.microsoft.com/office/powerpoint/2010/main" xmlns:p15="http://schemas.microsoft.com/office/powerpoint/2012/main" xmlns:ahyp="http://schemas.microsoft.com/office/drawing/2018/hyperlinkcolor">
+  <p:cSld>
+    <p:spTree>
+      <p:nvGrpSpPr>
+        <p:cNvPr id="127" name="Shape 127"/>
         <p:cNvGrpSpPr/>
         <p:nvPr/>
       </p:nvGrpSpPr>
@@ -10224,7 +10360,7 @@
       </p:grpSpPr>
       <p:sp>
         <p:nvSpPr>
-          <p:cNvPr id="135" name="Google Shape;135;p18"/>
+          <p:cNvPr id="128" name="Google Shape;128;p19"/>
           <p:cNvSpPr txBox="1"/>
           <p:nvPr>
             <p:ph type="title"/>
@@ -10256,7 +10392,22 @@
             </a:pPr>
             <a:r>
               <a:rPr lang="en"/>
-              <a:t>Results</a:t>
+              <a:t>Married vs Unmarried</a:t>
+            </a:r>
+            <a:endParaRPr/>
+          </a:p>
+          <a:p>
+            <a:pPr indent="0" lvl="0" marL="0" rtl="0" algn="l">
+              <a:spcBef>
+                <a:spcPts val="0"/>
+              </a:spcBef>
+              <a:spcAft>
+                <a:spcPts val="0"/>
+              </a:spcAft>
+              <a:buNone/>
+            </a:pPr>
+            <a:r>
+              <a:t/>
             </a:r>
             <a:endParaRPr/>
           </a:p>
@@ -10264,16 +10415,16 @@
       </p:sp>
       <p:sp>
         <p:nvSpPr>
-          <p:cNvPr id="136" name="Google Shape;136;p18"/>
+          <p:cNvPr id="129" name="Google Shape;129;p19"/>
           <p:cNvSpPr txBox="1"/>
           <p:nvPr>
-            <p:ph idx="1" type="body"/>
+            <p:ph idx="4294967295" type="body"/>
           </p:nvPr>
         </p:nvSpPr>
         <p:spPr>
           <a:xfrm>
-            <a:off x="311700" y="1229975"/>
-            <a:ext cx="3999900" cy="3339000"/>
+            <a:off x="311700" y="1020150"/>
+            <a:ext cx="8650800" cy="3103200"/>
           </a:xfrm>
           <a:prstGeom prst="rect">
             <a:avLst/>
@@ -10286,6 +10437,9 @@
           <a:lstStyle/>
           <a:p>
             <a:pPr indent="0" lvl="0" marL="0" rtl="0" algn="l">
+              <a:lnSpc>
+                <a:spcPct val="100000"/>
+              </a:lnSpc>
               <a:spcBef>
                 <a:spcPts val="0"/>
               </a:spcBef>
@@ -10295,127 +10449,80 @@
               <a:buNone/>
             </a:pPr>
             <a:r>
-              <a:rPr lang="en" sz="1600"/>
-              <a:t>To test whether the population of married soldiers and unmarried soldiers has a significant difference I conducted hypothesis testing in the form of a z-test. </a:t>
-            </a:r>
-            <a:endParaRPr sz="1600"/>
-          </a:p>
-          <a:p>
-            <a:pPr indent="-330200" lvl="0" marL="457200" rtl="0" algn="l">
-              <a:spcBef>
-                <a:spcPts val="1600"/>
-              </a:spcBef>
-              <a:spcAft>
-                <a:spcPts val="0"/>
-              </a:spcAft>
-              <a:buSzPts val="1600"/>
-              <a:buChar char="●"/>
-            </a:pPr>
-            <a:r>
-              <a:rPr lang="en" sz="1600"/>
-              <a:t>My results show that in fact there is no significant difference between the number of married and unmarried soldier.</a:t>
-            </a:r>
-            <a:endParaRPr sz="1600"/>
+              <a:rPr lang="en" sz="1800"/>
+              <a:t>First I wanted to look at the population of married vs unmarried service members. I used a two sample z-test.</a:t>
+            </a:r>
+            <a:endParaRPr sz="1800"/>
           </a:p>
           <a:p>
             <a:pPr indent="0" lvl="0" marL="0" rtl="0" algn="l">
+              <a:lnSpc>
+                <a:spcPct val="100000"/>
+              </a:lnSpc>
               <a:spcBef>
                 <a:spcPts val="1600"/>
               </a:spcBef>
               <a:spcAft>
+                <a:spcPts val="0"/>
+              </a:spcAft>
+              <a:buNone/>
+            </a:pPr>
+            <a:r>
+              <a:rPr lang="en" sz="1800"/>
+              <a:t>Null hypothesis = The population of married soldiers and unmarried soldiers have a significant statistical difference.</a:t>
+            </a:r>
+            <a:endParaRPr sz="1800"/>
+          </a:p>
+          <a:p>
+            <a:pPr indent="0" lvl="0" marL="0" rtl="0" algn="l">
+              <a:lnSpc>
+                <a:spcPct val="100000"/>
+              </a:lnSpc>
+              <a:spcBef>
                 <a:spcPts val="1600"/>
+              </a:spcBef>
+              <a:spcAft>
+                <a:spcPts val="0"/>
               </a:spcAft>
               <a:buNone/>
             </a:pPr>
             <a:r>
-              <a:t/>
-            </a:r>
-            <a:endParaRPr sz="1600"/>
+              <a:rPr lang="en" sz="1800"/>
+              <a:t>Alternative = The population of married soldiers and unmarried soldiers do not have a significant statistical difference.</a:t>
+            </a:r>
+            <a:endParaRPr sz="1800"/>
+          </a:p>
+          <a:p>
+            <a:pPr indent="0" lvl="0" marL="0" rtl="0" algn="l">
+              <a:lnSpc>
+                <a:spcPct val="100000"/>
+              </a:lnSpc>
+              <a:spcBef>
+                <a:spcPts val="1600"/>
+              </a:spcBef>
+              <a:spcAft>
+                <a:spcPts val="1600"/>
+              </a:spcAft>
+              <a:buNone/>
+            </a:pPr>
+            <a:r>
+              <a:rPr lang="en" sz="1800"/>
+              <a:t>Test shows us that there is no significant difference in the number of soldiers that are married against unmarried.</a:t>
+            </a:r>
+            <a:endParaRPr sz="1800"/>
           </a:p>
         </p:txBody>
       </p:sp>
       <p:sp>
         <p:nvSpPr>
-          <p:cNvPr id="137" name="Google Shape;137;p18"/>
-          <p:cNvSpPr txBox="1"/>
-          <p:nvPr>
-            <p:ph idx="2" type="body"/>
-          </p:nvPr>
-        </p:nvSpPr>
-        <p:spPr>
-          <a:xfrm>
-            <a:off x="4832400" y="1412150"/>
-            <a:ext cx="3999900" cy="3339000"/>
-          </a:xfrm>
-          <a:prstGeom prst="rect">
-            <a:avLst/>
-          </a:prstGeom>
-        </p:spPr>
-        <p:txBody>
-          <a:bodyPr anchorCtr="0" anchor="t" bIns="91425" lIns="91425" spcFirstLastPara="1" rIns="91425" wrap="square" tIns="91425">
-            <a:noAutofit/>
-          </a:bodyPr>
-          <a:lstStyle/>
-          <a:p>
-            <a:pPr indent="0" lvl="0" marL="0" rtl="0" algn="l">
-              <a:spcBef>
-                <a:spcPts val="0"/>
-              </a:spcBef>
-              <a:spcAft>
-                <a:spcPts val="0"/>
-              </a:spcAft>
-              <a:buNone/>
-            </a:pPr>
-            <a:r>
-              <a:rPr lang="en" sz="1600"/>
-              <a:t>My results can be important when deciding how to allocate programs to help both married and </a:t>
-            </a:r>
-            <a:r>
-              <a:rPr lang="en" sz="1600"/>
-              <a:t>unmarried</a:t>
-            </a:r>
-            <a:r>
-              <a:rPr lang="en" sz="1600"/>
-              <a:t> soldiers.</a:t>
-            </a:r>
-            <a:endParaRPr sz="1600"/>
-          </a:p>
-          <a:p>
-            <a:pPr indent="0" lvl="0" marL="0" rtl="0" algn="l">
-              <a:spcBef>
-                <a:spcPts val="1600"/>
-              </a:spcBef>
-              <a:spcAft>
-                <a:spcPts val="1600"/>
-              </a:spcAft>
-              <a:buNone/>
-            </a:pPr>
-            <a:r>
-              <a:rPr lang="en" sz="1600"/>
-              <a:t> Often one </a:t>
-            </a:r>
-            <a:r>
-              <a:rPr lang="en" sz="1600"/>
-              <a:t>can't</a:t>
-            </a:r>
-            <a:r>
-              <a:rPr lang="en" sz="1600"/>
-              <a:t> help but notice the lack of programs provided for single soldiers and since both population are not significantly different the same amount of effort should be given to benefit single soldiers. </a:t>
-            </a:r>
-            <a:endParaRPr sz="1600"/>
-          </a:p>
-        </p:txBody>
-      </p:sp>
-      <p:sp>
-        <p:nvSpPr>
-          <p:cNvPr id="138" name="Google Shape;138;p18"/>
+          <p:cNvPr id="130" name="Google Shape;130;p19"/>
           <p:cNvSpPr/>
           <p:nvPr/>
         </p:nvSpPr>
         <p:spPr>
           <a:xfrm>
-            <a:off x="5886975" y="607850"/>
-            <a:ext cx="1260600" cy="804300"/>
+            <a:off x="6407800" y="3843075"/>
+            <a:ext cx="1222200" cy="894000"/>
           </a:xfrm>
           <a:prstGeom prst="rect">
             <a:avLst/>
@@ -10449,47 +10556,6 @@
               <a:buNone/>
             </a:pPr>
             <a:r>
-              <a:t/>
-            </a:r>
-            <a:endParaRPr/>
-          </a:p>
-        </p:txBody>
-      </p:sp>
-      <p:sp>
-        <p:nvSpPr>
-          <p:cNvPr id="139" name="Google Shape;139;p18"/>
-          <p:cNvSpPr txBox="1"/>
-          <p:nvPr/>
-        </p:nvSpPr>
-        <p:spPr>
-          <a:xfrm>
-            <a:off x="5886975" y="671450"/>
-            <a:ext cx="1260600" cy="677100"/>
-          </a:xfrm>
-          <a:prstGeom prst="rect">
-            <a:avLst/>
-          </a:prstGeom>
-          <a:noFill/>
-          <a:ln>
-            <a:noFill/>
-          </a:ln>
-        </p:spPr>
-        <p:txBody>
-          <a:bodyPr anchorCtr="0" anchor="t" bIns="91425" lIns="91425" spcFirstLastPara="1" rIns="91425" wrap="square" tIns="91425">
-            <a:spAutoFit/>
-          </a:bodyPr>
-          <a:lstStyle/>
-          <a:p>
-            <a:pPr indent="0" lvl="0" marL="0" rtl="0" algn="l">
-              <a:spcBef>
-                <a:spcPts val="0"/>
-              </a:spcBef>
-              <a:spcAft>
-                <a:spcPts val="0"/>
-              </a:spcAft>
-              <a:buNone/>
-            </a:pPr>
-            <a:r>
               <a:rPr lang="en" sz="1600">
                 <a:latin typeface="Roboto"/>
                 <a:ea typeface="Roboto"/>
@@ -10523,6 +10589,32 @@
                 <a:sym typeface="Roboto"/>
               </a:rPr>
               <a:t>P value: 0.9</a:t>
+            </a:r>
+            <a:endParaRPr sz="1600">
+              <a:latin typeface="Roboto"/>
+              <a:ea typeface="Roboto"/>
+              <a:cs typeface="Roboto"/>
+              <a:sym typeface="Roboto"/>
+            </a:endParaRPr>
+          </a:p>
+          <a:p>
+            <a:pPr indent="0" lvl="0" marL="0" rtl="0" algn="l">
+              <a:spcBef>
+                <a:spcPts val="0"/>
+              </a:spcBef>
+              <a:spcAft>
+                <a:spcPts val="0"/>
+              </a:spcAft>
+              <a:buNone/>
+            </a:pPr>
+            <a:r>
+              <a:rPr lang="en" sz="1600">
+                <a:latin typeface="Roboto"/>
+                <a:ea typeface="Roboto"/>
+                <a:cs typeface="Roboto"/>
+                <a:sym typeface="Roboto"/>
+              </a:rPr>
+              <a:t>Alpha:0.05</a:t>
             </a:r>
             <a:endParaRPr sz="1600">
               <a:latin typeface="Roboto"/>
@@ -10541,12 +10633,12 @@
 </p:sld>
 </file>
 
-<file path=ppt/slides/slide7.xml><?xml version="1.0" encoding="utf-8"?>
+<file path=ppt/slides/slide8.xml><?xml version="1.0" encoding="utf-8"?>
 <p:sld xmlns:a="http://schemas.openxmlformats.org/drawingml/2006/main" xmlns:r="http://schemas.openxmlformats.org/officeDocument/2006/relationships" xmlns:mc="http://schemas.openxmlformats.org/markup-compatibility/2006" xmlns:mv="urn:schemas-microsoft-com:mac:vml" xmlns:p="http://schemas.openxmlformats.org/presentationml/2006/main" xmlns:c="http://schemas.openxmlformats.org/drawingml/2006/chart" xmlns:dgm="http://schemas.openxmlformats.org/drawingml/2006/diagram" xmlns:o="urn:schemas-microsoft-com:office:office" xmlns:v="urn:schemas-microsoft-com:vml" xmlns:pvml="urn:schemas-microsoft-com:office:powerpoint" xmlns:com="http://schemas.openxmlformats.org/drawingml/2006/compatibility" xmlns:p14="http://schemas.microsoft.com/office/powerpoint/2010/main" xmlns:p15="http://schemas.microsoft.com/office/powerpoint/2012/main" xmlns:ahyp="http://schemas.microsoft.com/office/drawing/2018/hyperlinkcolor">
   <p:cSld>
     <p:spTree>
       <p:nvGrpSpPr>
-        <p:cNvPr id="143" name="Shape 143"/>
+        <p:cNvPr id="134" name="Shape 134"/>
         <p:cNvGrpSpPr/>
         <p:nvPr/>
       </p:nvGrpSpPr>
@@ -10560,7 +10652,7 @@
       </p:grpSpPr>
       <p:sp>
         <p:nvSpPr>
-          <p:cNvPr id="144" name="Google Shape;144;p19"/>
+          <p:cNvPr id="135" name="Google Shape;135;p20"/>
           <p:cNvSpPr txBox="1"/>
           <p:nvPr>
             <p:ph type="title"/>
@@ -10592,7 +10684,22 @@
             </a:pPr>
             <a:r>
               <a:rPr lang="en"/>
-              <a:t>Additional Testing</a:t>
+              <a:t>Married Enlisted vs Officers</a:t>
+            </a:r>
+            <a:endParaRPr/>
+          </a:p>
+          <a:p>
+            <a:pPr indent="0" lvl="0" marL="0" rtl="0" algn="l">
+              <a:spcBef>
+                <a:spcPts val="0"/>
+              </a:spcBef>
+              <a:spcAft>
+                <a:spcPts val="0"/>
+              </a:spcAft>
+              <a:buNone/>
+            </a:pPr>
+            <a:r>
+              <a:t/>
             </a:r>
             <a:endParaRPr/>
           </a:p>
@@ -10600,16 +10707,16 @@
       </p:sp>
       <p:sp>
         <p:nvSpPr>
-          <p:cNvPr id="145" name="Google Shape;145;p19"/>
+          <p:cNvPr id="136" name="Google Shape;136;p20"/>
           <p:cNvSpPr txBox="1"/>
           <p:nvPr>
-            <p:ph idx="1" type="body"/>
+            <p:ph idx="4294967295" type="body"/>
           </p:nvPr>
         </p:nvSpPr>
         <p:spPr>
           <a:xfrm>
-            <a:off x="311700" y="1229975"/>
-            <a:ext cx="3999900" cy="3339000"/>
+            <a:off x="311700" y="1020150"/>
+            <a:ext cx="8650800" cy="3103200"/>
           </a:xfrm>
           <a:prstGeom prst="rect">
             <a:avLst/>
@@ -10622,122 +10729,160 @@
           <a:lstStyle/>
           <a:p>
             <a:pPr indent="0" lvl="0" marL="0" rtl="0" algn="l">
-              <a:spcBef>
-                <a:spcPts val="0"/>
-              </a:spcBef>
-              <a:spcAft>
+              <a:lnSpc>
+                <a:spcPct val="100000"/>
+              </a:lnSpc>
+              <a:spcBef>
+                <a:spcPts val="0"/>
+              </a:spcBef>
+              <a:spcAft>
+                <a:spcPts val="0"/>
+              </a:spcAft>
+              <a:buNone/>
+            </a:pPr>
+            <a:r>
+              <a:rPr lang="en"/>
+              <a:t>Next </a:t>
+            </a:r>
+            <a:r>
+              <a:rPr lang="en"/>
+              <a:t>let's</a:t>
+            </a:r>
+            <a:r>
+              <a:rPr lang="en"/>
+              <a:t> </a:t>
+            </a:r>
+            <a:r>
+              <a:rPr lang="en" sz="1800"/>
+              <a:t>look at the population of married </a:t>
+            </a:r>
+            <a:r>
+              <a:rPr lang="en"/>
+              <a:t>enlisted vs officers</a:t>
+            </a:r>
+            <a:r>
+              <a:rPr lang="en" sz="1800"/>
+              <a:t> </a:t>
+            </a:r>
+            <a:r>
+              <a:rPr lang="en"/>
+              <a:t>using </a:t>
+            </a:r>
+            <a:r>
+              <a:rPr lang="en" sz="1800"/>
+              <a:t>a two sample z-test again.</a:t>
+            </a:r>
+            <a:endParaRPr sz="1800"/>
+          </a:p>
+          <a:p>
+            <a:pPr indent="0" lvl="0" marL="0" rtl="0" algn="l">
+              <a:lnSpc>
+                <a:spcPct val="100000"/>
+              </a:lnSpc>
+              <a:spcBef>
                 <a:spcPts val="1600"/>
+              </a:spcBef>
+              <a:spcAft>
+                <a:spcPts val="0"/>
               </a:spcAft>
               <a:buNone/>
             </a:pPr>
             <a:r>
-              <a:rPr lang="en" sz="1600"/>
-              <a:t>In addition of testing whether the population of single and married soldiers showed a significant difference, I also tested whether the population of married and unmarried enlisted soldiers showed a significant difference to its officer counterparts</a:t>
-            </a:r>
-            <a:r>
-              <a:rPr lang="en" sz="1200"/>
-              <a:t>.</a:t>
-            </a:r>
-            <a:endParaRPr/>
+              <a:rPr lang="en" sz="1800"/>
+              <a:t>Null hypothesis = The population of married </a:t>
+            </a:r>
+            <a:r>
+              <a:rPr lang="en"/>
+              <a:t>enlisted </a:t>
+            </a:r>
+            <a:r>
+              <a:rPr lang="en" sz="1800"/>
+              <a:t>and married </a:t>
+            </a:r>
+            <a:r>
+              <a:rPr lang="en"/>
+              <a:t>officers</a:t>
+            </a:r>
+            <a:r>
+              <a:rPr lang="en" sz="1800"/>
+              <a:t> have a significant statistical difference.</a:t>
+            </a:r>
+            <a:endParaRPr sz="1800"/>
+          </a:p>
+          <a:p>
+            <a:pPr indent="0" lvl="0" marL="0" rtl="0" algn="l">
+              <a:lnSpc>
+                <a:spcPct val="100000"/>
+              </a:lnSpc>
+              <a:spcBef>
+                <a:spcPts val="1600"/>
+              </a:spcBef>
+              <a:spcAft>
+                <a:spcPts val="0"/>
+              </a:spcAft>
+              <a:buNone/>
+            </a:pPr>
+            <a:r>
+              <a:rPr lang="en" sz="1800"/>
+              <a:t>Alternative = The population of married </a:t>
+            </a:r>
+            <a:r>
+              <a:rPr lang="en"/>
+              <a:t>enlisted</a:t>
+            </a:r>
+            <a:r>
+              <a:rPr lang="en" sz="1800"/>
+              <a:t> and married </a:t>
+            </a:r>
+            <a:r>
+              <a:rPr lang="en"/>
+              <a:t>officers</a:t>
+            </a:r>
+            <a:r>
+              <a:rPr lang="en" sz="1800"/>
+              <a:t> do not have a significant statistical difference.</a:t>
+            </a:r>
+            <a:endParaRPr sz="1800"/>
+          </a:p>
+          <a:p>
+            <a:pPr indent="0" lvl="0" marL="0" rtl="0" algn="l">
+              <a:lnSpc>
+                <a:spcPct val="100000"/>
+              </a:lnSpc>
+              <a:spcBef>
+                <a:spcPts val="1600"/>
+              </a:spcBef>
+              <a:spcAft>
+                <a:spcPts val="1600"/>
+              </a:spcAft>
+              <a:buNone/>
+            </a:pPr>
+            <a:r>
+              <a:rPr lang="en" sz="1800"/>
+              <a:t>Test shows us that there is no significant difference in the number of </a:t>
+            </a:r>
+            <a:r>
+              <a:rPr lang="en"/>
+              <a:t>enlisted and officers</a:t>
+            </a:r>
+            <a:r>
+              <a:rPr lang="en" sz="1800"/>
+              <a:t> that are married.</a:t>
+            </a:r>
+            <a:endParaRPr sz="1800"/>
           </a:p>
         </p:txBody>
       </p:sp>
       <p:sp>
         <p:nvSpPr>
-          <p:cNvPr id="146" name="Google Shape;146;p19"/>
-          <p:cNvSpPr txBox="1"/>
-          <p:nvPr>
-            <p:ph idx="2" type="body"/>
-          </p:nvPr>
-        </p:nvSpPr>
-        <p:spPr>
-          <a:xfrm>
-            <a:off x="4832400" y="410000"/>
-            <a:ext cx="3999900" cy="4158900"/>
-          </a:xfrm>
-          <a:prstGeom prst="rect">
-            <a:avLst/>
-          </a:prstGeom>
-        </p:spPr>
-        <p:txBody>
-          <a:bodyPr anchorCtr="0" anchor="t" bIns="91425" lIns="91425" spcFirstLastPara="1" rIns="91425" wrap="square" tIns="91425">
-            <a:noAutofit/>
-          </a:bodyPr>
-          <a:lstStyle/>
-          <a:p>
-            <a:pPr indent="0" lvl="0" marL="0" rtl="0" algn="l">
-              <a:spcBef>
-                <a:spcPts val="0"/>
-              </a:spcBef>
-              <a:spcAft>
-                <a:spcPts val="0"/>
-              </a:spcAft>
-              <a:buNone/>
-            </a:pPr>
-            <a:r>
-              <a:rPr lang="en" sz="1600"/>
-              <a:t>When comparing the population of married enlisted and married officers I found the populations to not have a significant difference.</a:t>
-            </a:r>
-            <a:endParaRPr sz="1600"/>
-          </a:p>
-          <a:p>
-            <a:pPr indent="0" lvl="0" marL="0" rtl="0" algn="l">
-              <a:spcBef>
-                <a:spcPts val="1600"/>
-              </a:spcBef>
-              <a:spcAft>
-                <a:spcPts val="0"/>
-              </a:spcAft>
-              <a:buNone/>
-            </a:pPr>
-            <a:r>
-              <a:t/>
-            </a:r>
-            <a:endParaRPr/>
-          </a:p>
-          <a:p>
-            <a:pPr indent="0" lvl="0" marL="0" rtl="0" algn="l">
-              <a:spcBef>
-                <a:spcPts val="1600"/>
-              </a:spcBef>
-              <a:spcAft>
-                <a:spcPts val="0"/>
-              </a:spcAft>
-              <a:buNone/>
-            </a:pPr>
-            <a:r>
-              <a:t/>
-            </a:r>
-            <a:endParaRPr/>
-          </a:p>
-          <a:p>
-            <a:pPr indent="0" lvl="0" marL="0" rtl="0" algn="l">
-              <a:spcBef>
-                <a:spcPts val="1600"/>
-              </a:spcBef>
-              <a:spcAft>
-                <a:spcPts val="1600"/>
-              </a:spcAft>
-              <a:buNone/>
-            </a:pPr>
-            <a:r>
-              <a:rPr lang="en" sz="1600"/>
-              <a:t>When comparing the population of single enlisted and single officers I found a similar results as previous tests.</a:t>
-            </a:r>
-            <a:endParaRPr sz="1600"/>
-          </a:p>
-        </p:txBody>
-      </p:sp>
-      <p:sp>
-        <p:nvSpPr>
-          <p:cNvPr id="147" name="Google Shape;147;p19"/>
+          <p:cNvPr id="137" name="Google Shape;137;p20"/>
           <p:cNvSpPr/>
           <p:nvPr/>
         </p:nvSpPr>
         <p:spPr>
           <a:xfrm>
-            <a:off x="6009600" y="1963950"/>
-            <a:ext cx="1222200" cy="607800"/>
+            <a:off x="6407800" y="3843075"/>
+            <a:ext cx="1222200" cy="894000"/>
           </a:xfrm>
           <a:prstGeom prst="rect">
             <a:avLst/>
@@ -10777,7 +10922,7 @@
                 <a:cs typeface="Roboto"/>
                 <a:sym typeface="Roboto"/>
               </a:rPr>
-              <a:t>Z test: 0.1</a:t>
+              <a:t>Z test: -1.2</a:t>
             </a:r>
             <a:endParaRPr sz="1600">
               <a:latin typeface="Roboto"/>
@@ -10803,7 +10948,122 @@
                 <a:cs typeface="Roboto"/>
                 <a:sym typeface="Roboto"/>
               </a:rPr>
-              <a:t>P value: 0.9</a:t>
+              <a:t>P value: 0.2</a:t>
+            </a:r>
+            <a:endParaRPr sz="1600">
+              <a:latin typeface="Roboto"/>
+              <a:ea typeface="Roboto"/>
+              <a:cs typeface="Roboto"/>
+              <a:sym typeface="Roboto"/>
+            </a:endParaRPr>
+          </a:p>
+          <a:p>
+            <a:pPr indent="0" lvl="0" marL="0" rtl="0" algn="l">
+              <a:spcBef>
+                <a:spcPts val="0"/>
+              </a:spcBef>
+              <a:spcAft>
+                <a:spcPts val="0"/>
+              </a:spcAft>
+              <a:buNone/>
+            </a:pPr>
+            <a:r>
+              <a:rPr lang="en" sz="1600">
+                <a:latin typeface="Roboto"/>
+                <a:ea typeface="Roboto"/>
+                <a:cs typeface="Roboto"/>
+                <a:sym typeface="Roboto"/>
+              </a:rPr>
+              <a:t>Alpha:0.05</a:t>
+            </a:r>
+            <a:endParaRPr sz="1600">
+              <a:latin typeface="Roboto"/>
+              <a:ea typeface="Roboto"/>
+              <a:cs typeface="Roboto"/>
+              <a:sym typeface="Roboto"/>
+            </a:endParaRPr>
+          </a:p>
+        </p:txBody>
+      </p:sp>
+    </p:spTree>
+  </p:cSld>
+  <p:clrMapOvr>
+    <a:masterClrMapping/>
+  </p:clrMapOvr>
+</p:sld>
+</file>
+
+<file path=ppt/slides/slide9.xml><?xml version="1.0" encoding="utf-8"?>
+<p:sld xmlns:a="http://schemas.openxmlformats.org/drawingml/2006/main" xmlns:r="http://schemas.openxmlformats.org/officeDocument/2006/relationships" xmlns:mc="http://schemas.openxmlformats.org/markup-compatibility/2006" xmlns:mv="urn:schemas-microsoft-com:mac:vml" xmlns:p="http://schemas.openxmlformats.org/presentationml/2006/main" xmlns:c="http://schemas.openxmlformats.org/drawingml/2006/chart" xmlns:dgm="http://schemas.openxmlformats.org/drawingml/2006/diagram" xmlns:o="urn:schemas-microsoft-com:office:office" xmlns:v="urn:schemas-microsoft-com:vml" xmlns:pvml="urn:schemas-microsoft-com:office:powerpoint" xmlns:com="http://schemas.openxmlformats.org/drawingml/2006/compatibility" xmlns:p14="http://schemas.microsoft.com/office/powerpoint/2010/main" xmlns:p15="http://schemas.microsoft.com/office/powerpoint/2012/main" xmlns:ahyp="http://schemas.microsoft.com/office/drawing/2018/hyperlinkcolor">
+  <p:cSld>
+    <p:spTree>
+      <p:nvGrpSpPr>
+        <p:cNvPr id="141" name="Shape 141"/>
+        <p:cNvGrpSpPr/>
+        <p:nvPr/>
+      </p:nvGrpSpPr>
+      <p:grpSpPr>
+        <a:xfrm>
+          <a:off x="0" y="0"/>
+          <a:ext cx="0" cy="0"/>
+          <a:chOff x="0" y="0"/>
+          <a:chExt cx="0" cy="0"/>
+        </a:xfrm>
+      </p:grpSpPr>
+      <p:sp>
+        <p:nvSpPr>
+          <p:cNvPr id="142" name="Google Shape;142;p21"/>
+          <p:cNvSpPr txBox="1"/>
+          <p:nvPr>
+            <p:ph type="title"/>
+          </p:nvPr>
+        </p:nvSpPr>
+        <p:spPr>
+          <a:xfrm>
+            <a:off x="311700" y="410000"/>
+            <a:ext cx="8520600" cy="607800"/>
+          </a:xfrm>
+          <a:prstGeom prst="rect">
+            <a:avLst/>
+          </a:prstGeom>
+        </p:spPr>
+        <p:txBody>
+          <a:bodyPr anchorCtr="0" anchor="t" bIns="91425" lIns="91425" spcFirstLastPara="1" rIns="91425" wrap="square" tIns="91425">
+            <a:noAutofit/>
+          </a:bodyPr>
+          <a:lstStyle/>
+          <a:p>
+            <a:pPr indent="0" lvl="0" marL="0" rtl="0" algn="l">
+              <a:spcBef>
+                <a:spcPts val="0"/>
+              </a:spcBef>
+              <a:spcAft>
+                <a:spcPts val="0"/>
+              </a:spcAft>
+              <a:buNone/>
+            </a:pPr>
+            <a:r>
+              <a:rPr lang="en"/>
+              <a:t>Single</a:t>
+            </a:r>
+            <a:r>
+              <a:rPr lang="en"/>
+              <a:t> Enlisted vs Officers</a:t>
+            </a:r>
+            <a:endParaRPr/>
+          </a:p>
+          <a:p>
+            <a:pPr indent="0" lvl="0" marL="0" rtl="0" algn="l">
+              <a:spcBef>
+                <a:spcPts val="0"/>
+              </a:spcBef>
+              <a:spcAft>
+                <a:spcPts val="0"/>
+              </a:spcAft>
+              <a:buNone/>
+            </a:pPr>
+            <a:r>
+              <a:t/>
             </a:r>
             <a:endParaRPr/>
           </a:p>
@@ -10811,14 +11071,226 @@
       </p:sp>
       <p:sp>
         <p:nvSpPr>
-          <p:cNvPr id="148" name="Google Shape;148;p19"/>
+          <p:cNvPr id="143" name="Google Shape;143;p21"/>
+          <p:cNvSpPr txBox="1"/>
+          <p:nvPr>
+            <p:ph idx="4294967295" type="body"/>
+          </p:nvPr>
+        </p:nvSpPr>
+        <p:spPr>
+          <a:xfrm>
+            <a:off x="311700" y="1020150"/>
+            <a:ext cx="8650800" cy="3103200"/>
+          </a:xfrm>
+          <a:prstGeom prst="rect">
+            <a:avLst/>
+          </a:prstGeom>
+        </p:spPr>
+        <p:txBody>
+          <a:bodyPr anchorCtr="0" anchor="t" bIns="91425" lIns="91425" spcFirstLastPara="1" rIns="91425" wrap="square" tIns="91425">
+            <a:noAutofit/>
+          </a:bodyPr>
+          <a:lstStyle/>
+          <a:p>
+            <a:pPr indent="0" lvl="0" marL="0" rtl="0" algn="l">
+              <a:lnSpc>
+                <a:spcPct val="100000"/>
+              </a:lnSpc>
+              <a:spcBef>
+                <a:spcPts val="0"/>
+              </a:spcBef>
+              <a:spcAft>
+                <a:spcPts val="0"/>
+              </a:spcAft>
+              <a:buNone/>
+            </a:pPr>
+            <a:r>
+              <a:rPr lang="en"/>
+              <a:t>Finally we will take a</a:t>
+            </a:r>
+            <a:r>
+              <a:rPr lang="en"/>
+              <a:t> </a:t>
+            </a:r>
+            <a:r>
+              <a:rPr lang="en" sz="1800"/>
+              <a:t>look at the population of </a:t>
+            </a:r>
+            <a:r>
+              <a:rPr lang="en"/>
+              <a:t>single</a:t>
+            </a:r>
+            <a:r>
+              <a:rPr lang="en" sz="1800"/>
+              <a:t> </a:t>
+            </a:r>
+            <a:r>
+              <a:rPr lang="en"/>
+              <a:t>enlisted vs single officers</a:t>
+            </a:r>
+            <a:r>
+              <a:rPr lang="en" sz="1800"/>
+              <a:t> </a:t>
+            </a:r>
+            <a:r>
+              <a:rPr lang="en"/>
+              <a:t>using </a:t>
+            </a:r>
+            <a:r>
+              <a:rPr lang="en" sz="1800"/>
+              <a:t>a two sample z-test.</a:t>
+            </a:r>
+            <a:endParaRPr sz="1800"/>
+          </a:p>
+          <a:p>
+            <a:pPr indent="0" lvl="0" marL="0" rtl="0" algn="l">
+              <a:lnSpc>
+                <a:spcPct val="100000"/>
+              </a:lnSpc>
+              <a:spcBef>
+                <a:spcPts val="1600"/>
+              </a:spcBef>
+              <a:spcAft>
+                <a:spcPts val="0"/>
+              </a:spcAft>
+              <a:buNone/>
+            </a:pPr>
+            <a:r>
+              <a:rPr lang="en" sz="1800"/>
+              <a:t>Null hypothesis = The population of</a:t>
+            </a:r>
+            <a:r>
+              <a:rPr lang="en"/>
+              <a:t> single</a:t>
+            </a:r>
+            <a:r>
+              <a:rPr lang="en" sz="1800"/>
+              <a:t> </a:t>
+            </a:r>
+            <a:r>
+              <a:rPr lang="en"/>
+              <a:t>enlisted </a:t>
+            </a:r>
+            <a:r>
+              <a:rPr lang="en" sz="1800"/>
+              <a:t>and</a:t>
+            </a:r>
+            <a:r>
+              <a:rPr lang="en"/>
+              <a:t> single</a:t>
+            </a:r>
+            <a:r>
+              <a:rPr lang="en" sz="1800"/>
+              <a:t> </a:t>
+            </a:r>
+            <a:r>
+              <a:rPr lang="en"/>
+              <a:t>officers</a:t>
+            </a:r>
+            <a:r>
+              <a:rPr lang="en" sz="1800"/>
+              <a:t> have a significant statistical difference.</a:t>
+            </a:r>
+            <a:endParaRPr sz="1800"/>
+          </a:p>
+          <a:p>
+            <a:pPr indent="0" lvl="0" marL="0" rtl="0" algn="l">
+              <a:lnSpc>
+                <a:spcPct val="100000"/>
+              </a:lnSpc>
+              <a:spcBef>
+                <a:spcPts val="1600"/>
+              </a:spcBef>
+              <a:spcAft>
+                <a:spcPts val="0"/>
+              </a:spcAft>
+              <a:buNone/>
+            </a:pPr>
+            <a:r>
+              <a:rPr lang="en" sz="1800"/>
+              <a:t>Alternative = The population of </a:t>
+            </a:r>
+            <a:r>
+              <a:rPr lang="en"/>
+              <a:t>single</a:t>
+            </a:r>
+            <a:r>
+              <a:rPr lang="en" sz="1800"/>
+              <a:t> </a:t>
+            </a:r>
+            <a:r>
+              <a:rPr lang="en"/>
+              <a:t>enlisted</a:t>
+            </a:r>
+            <a:r>
+              <a:rPr lang="en" sz="1800"/>
+              <a:t> and </a:t>
+            </a:r>
+            <a:r>
+              <a:rPr lang="en"/>
+              <a:t>single</a:t>
+            </a:r>
+            <a:r>
+              <a:rPr lang="en" sz="1800"/>
+              <a:t> </a:t>
+            </a:r>
+            <a:r>
+              <a:rPr lang="en"/>
+              <a:t>officers</a:t>
+            </a:r>
+            <a:r>
+              <a:rPr lang="en" sz="1800"/>
+              <a:t> do not have a significant statistical difference.</a:t>
+            </a:r>
+            <a:endParaRPr sz="1800"/>
+          </a:p>
+          <a:p>
+            <a:pPr indent="0" lvl="0" marL="0" rtl="0" algn="l">
+              <a:lnSpc>
+                <a:spcPct val="100000"/>
+              </a:lnSpc>
+              <a:spcBef>
+                <a:spcPts val="1600"/>
+              </a:spcBef>
+              <a:spcAft>
+                <a:spcPts val="1600"/>
+              </a:spcAft>
+              <a:buNone/>
+            </a:pPr>
+            <a:r>
+              <a:rPr lang="en" sz="1800"/>
+              <a:t>Test shows us that there is no significant difference in the number of </a:t>
+            </a:r>
+            <a:r>
+              <a:rPr lang="en"/>
+              <a:t>enlisted and officers</a:t>
+            </a:r>
+            <a:r>
+              <a:rPr lang="en" sz="1800"/>
+              <a:t> that are </a:t>
+            </a:r>
+            <a:r>
+              <a:rPr lang="en"/>
+              <a:t>single</a:t>
+            </a:r>
+            <a:r>
+              <a:rPr lang="en" sz="1800"/>
+              <a:t>.</a:t>
+            </a:r>
+            <a:endParaRPr sz="1800"/>
+          </a:p>
+        </p:txBody>
+      </p:sp>
+      <p:sp>
+        <p:nvSpPr>
+          <p:cNvPr id="144" name="Google Shape;144;p21"/>
           <p:cNvSpPr/>
           <p:nvPr/>
         </p:nvSpPr>
         <p:spPr>
           <a:xfrm>
-            <a:off x="6009600" y="3961175"/>
-            <a:ext cx="1313100" cy="607800"/>
+            <a:off x="6407800" y="3843075"/>
+            <a:ext cx="1222200" cy="894000"/>
           </a:xfrm>
           <a:prstGeom prst="rect">
             <a:avLst/>
@@ -10858,7 +11330,7 @@
                 <a:cs typeface="Roboto"/>
                 <a:sym typeface="Roboto"/>
               </a:rPr>
-              <a:t>Z test: -1.2</a:t>
+              <a:t>Z test: -0.6</a:t>
             </a:r>
             <a:endParaRPr sz="1600">
               <a:latin typeface="Roboto"/>
@@ -10884,9 +11356,40 @@
                 <a:cs typeface="Roboto"/>
                 <a:sym typeface="Roboto"/>
               </a:rPr>
-              <a:t>P value: -0.6</a:t>
-            </a:r>
-            <a:endParaRPr/>
+              <a:t>P value: 0.5</a:t>
+            </a:r>
+            <a:endParaRPr sz="1600">
+              <a:latin typeface="Roboto"/>
+              <a:ea typeface="Roboto"/>
+              <a:cs typeface="Roboto"/>
+              <a:sym typeface="Roboto"/>
+            </a:endParaRPr>
+          </a:p>
+          <a:p>
+            <a:pPr indent="0" lvl="0" marL="0" rtl="0" algn="l">
+              <a:spcBef>
+                <a:spcPts val="0"/>
+              </a:spcBef>
+              <a:spcAft>
+                <a:spcPts val="0"/>
+              </a:spcAft>
+              <a:buNone/>
+            </a:pPr>
+            <a:r>
+              <a:rPr lang="en" sz="1600">
+                <a:latin typeface="Roboto"/>
+                <a:ea typeface="Roboto"/>
+                <a:cs typeface="Roboto"/>
+                <a:sym typeface="Roboto"/>
+              </a:rPr>
+              <a:t>Alpha:0.05</a:t>
+            </a:r>
+            <a:endParaRPr sz="1600">
+              <a:latin typeface="Roboto"/>
+              <a:ea typeface="Roboto"/>
+              <a:cs typeface="Roboto"/>
+              <a:sym typeface="Roboto"/>
+            </a:endParaRPr>
           </a:p>
         </p:txBody>
       </p:sp>
@@ -10898,332 +11401,286 @@
 </p:sld>
 </file>
 
-<file path=ppt/slides/slide8.xml><?xml version="1.0" encoding="utf-8"?>
-<p:sld xmlns:a="http://schemas.openxmlformats.org/drawingml/2006/main" xmlns:r="http://schemas.openxmlformats.org/officeDocument/2006/relationships" xmlns:mc="http://schemas.openxmlformats.org/markup-compatibility/2006" xmlns:mv="urn:schemas-microsoft-com:mac:vml" xmlns:p="http://schemas.openxmlformats.org/presentationml/2006/main" xmlns:c="http://schemas.openxmlformats.org/drawingml/2006/chart" xmlns:dgm="http://schemas.openxmlformats.org/drawingml/2006/diagram" xmlns:o="urn:schemas-microsoft-com:office:office" xmlns:v="urn:schemas-microsoft-com:vml" xmlns:pvml="urn:schemas-microsoft-com:office:powerpoint" xmlns:com="http://schemas.openxmlformats.org/drawingml/2006/compatibility" xmlns:p14="http://schemas.microsoft.com/office/powerpoint/2010/main" xmlns:p15="http://schemas.microsoft.com/office/powerpoint/2012/main" xmlns:ahyp="http://schemas.microsoft.com/office/drawing/2018/hyperlinkcolor">
-  <p:cSld>
-    <p:spTree>
-      <p:nvGrpSpPr>
-        <p:cNvPr id="152" name="Shape 152"/>
-        <p:cNvGrpSpPr/>
-        <p:nvPr/>
-      </p:nvGrpSpPr>
-      <p:grpSpPr>
-        <a:xfrm>
-          <a:off x="0" y="0"/>
-          <a:ext cx="0" cy="0"/>
-          <a:chOff x="0" y="0"/>
-          <a:chExt cx="0" cy="0"/>
-        </a:xfrm>
-      </p:grpSpPr>
-      <p:sp>
-        <p:nvSpPr>
-          <p:cNvPr id="153" name="Google Shape;153;p20"/>
-          <p:cNvSpPr txBox="1"/>
-          <p:nvPr>
-            <p:ph type="title"/>
-          </p:nvPr>
-        </p:nvSpPr>
-        <p:spPr>
-          <a:xfrm>
-            <a:off x="265500" y="1151100"/>
-            <a:ext cx="4045200" cy="1564500"/>
-          </a:xfrm>
-          <a:prstGeom prst="rect">
-            <a:avLst/>
-          </a:prstGeom>
-        </p:spPr>
-        <p:txBody>
-          <a:bodyPr anchorCtr="0" anchor="b" bIns="91425" lIns="91425" spcFirstLastPara="1" rIns="91425" wrap="square" tIns="91425">
-            <a:noAutofit/>
-          </a:bodyPr>
-          <a:lstStyle/>
-          <a:p>
-            <a:pPr indent="0" lvl="0" marL="0" rtl="0" algn="ctr">
-              <a:spcBef>
-                <a:spcPts val="0"/>
-              </a:spcBef>
-              <a:spcAft>
-                <a:spcPts val="0"/>
-              </a:spcAft>
-              <a:buNone/>
-            </a:pPr>
-            <a:r>
-              <a:rPr lang="en"/>
-              <a:t>Conclusion</a:t>
-            </a:r>
-            <a:endParaRPr/>
-          </a:p>
-        </p:txBody>
-      </p:sp>
-      <p:sp>
-        <p:nvSpPr>
-          <p:cNvPr id="154" name="Google Shape;154;p20"/>
-          <p:cNvSpPr txBox="1"/>
-          <p:nvPr>
-            <p:ph idx="1" type="subTitle"/>
-          </p:nvPr>
-        </p:nvSpPr>
-        <p:spPr>
-          <a:xfrm>
-            <a:off x="265500" y="2769001"/>
-            <a:ext cx="4045200" cy="1269300"/>
-          </a:xfrm>
-          <a:prstGeom prst="rect">
-            <a:avLst/>
-          </a:prstGeom>
-        </p:spPr>
-        <p:txBody>
-          <a:bodyPr anchorCtr="0" anchor="t" bIns="91425" lIns="91425" spcFirstLastPara="1" rIns="91425" wrap="square" tIns="91425">
-            <a:noAutofit/>
-          </a:bodyPr>
-          <a:lstStyle/>
-          <a:p>
-            <a:pPr indent="0" lvl="0" marL="0" rtl="0" algn="ctr">
-              <a:spcBef>
-                <a:spcPts val="0"/>
-              </a:spcBef>
-              <a:spcAft>
-                <a:spcPts val="0"/>
-              </a:spcAft>
-              <a:buNone/>
-            </a:pPr>
-            <a:r>
-              <a:rPr lang="en" sz="3000"/>
-              <a:t>What is Next?</a:t>
-            </a:r>
-            <a:endParaRPr sz="3000"/>
-          </a:p>
-        </p:txBody>
-      </p:sp>
-      <p:sp>
-        <p:nvSpPr>
-          <p:cNvPr id="155" name="Google Shape;155;p20"/>
-          <p:cNvSpPr txBox="1"/>
-          <p:nvPr>
-            <p:ph idx="2" type="body"/>
-          </p:nvPr>
-        </p:nvSpPr>
-        <p:spPr>
-          <a:xfrm>
-            <a:off x="4939500" y="724200"/>
-            <a:ext cx="3837000" cy="3695100"/>
-          </a:xfrm>
-          <a:prstGeom prst="rect">
-            <a:avLst/>
-          </a:prstGeom>
-        </p:spPr>
-        <p:txBody>
-          <a:bodyPr anchorCtr="0" anchor="t" bIns="91425" lIns="91425" spcFirstLastPara="1" rIns="91425" wrap="square" tIns="91425">
-            <a:noAutofit/>
-          </a:bodyPr>
-          <a:lstStyle/>
-          <a:p>
-            <a:pPr indent="0" lvl="0" marL="0" rtl="0" algn="l">
-              <a:spcBef>
-                <a:spcPts val="0"/>
-              </a:spcBef>
-              <a:spcAft>
-                <a:spcPts val="0"/>
-              </a:spcAft>
-              <a:buNone/>
-            </a:pPr>
-            <a:r>
-              <a:rPr lang="en" sz="1600"/>
-              <a:t>According to the tests one can conclude that we should devote the same effort for married and unmarried service members.</a:t>
-            </a:r>
-            <a:endParaRPr sz="1600"/>
-          </a:p>
-          <a:p>
-            <a:pPr indent="0" lvl="0" marL="0" rtl="0" algn="l">
-              <a:spcBef>
-                <a:spcPts val="1600"/>
-              </a:spcBef>
-              <a:spcAft>
-                <a:spcPts val="0"/>
-              </a:spcAft>
-              <a:buNone/>
-            </a:pPr>
-            <a:r>
-              <a:t/>
-            </a:r>
-            <a:endParaRPr sz="1600"/>
-          </a:p>
-          <a:p>
-            <a:pPr indent="0" lvl="0" marL="0" rtl="0" algn="l">
-              <a:spcBef>
-                <a:spcPts val="1600"/>
-              </a:spcBef>
-              <a:spcAft>
-                <a:spcPts val="1600"/>
-              </a:spcAft>
-              <a:buNone/>
-            </a:pPr>
-            <a:r>
-              <a:rPr lang="en" sz="1600"/>
-              <a:t>In the future I would like to have access to more detailed and recent data. I would have also like to delve into other demographics like age and race.</a:t>
-            </a:r>
-            <a:endParaRPr sz="1600"/>
-          </a:p>
-        </p:txBody>
-      </p:sp>
-    </p:spTree>
-  </p:cSld>
-  <p:clrMapOvr>
-    <a:masterClrMapping/>
-  </p:clrMapOvr>
-</p:sld>
+<file path=ppt/theme/theme1.xml><?xml version="1.0" encoding="utf-8"?>
+<a:theme xmlns:a="http://schemas.openxmlformats.org/drawingml/2006/main" xmlns:r="http://schemas.openxmlformats.org/officeDocument/2006/relationships" name="Geometric">
+  <a:themeElements>
+    <a:clrScheme name="Geometric">
+      <a:dk1>
+        <a:srgbClr val="2A3990"/>
+      </a:dk1>
+      <a:lt1>
+        <a:srgbClr val="FFFFFF"/>
+      </a:lt1>
+      <a:dk2>
+        <a:srgbClr val="434343"/>
+      </a:dk2>
+      <a:lt2>
+        <a:srgbClr val="999999"/>
+      </a:lt2>
+      <a:accent1>
+        <a:srgbClr val="212D74"/>
+      </a:accent1>
+      <a:accent2>
+        <a:srgbClr val="3949AB"/>
+      </a:accent2>
+      <a:accent3>
+        <a:srgbClr val="9C254D"/>
+      </a:accent3>
+      <a:accent4>
+        <a:srgbClr val="D23369"/>
+      </a:accent4>
+      <a:accent5>
+        <a:srgbClr val="F06292"/>
+      </a:accent5>
+      <a:accent6>
+        <a:srgbClr val="7890CD"/>
+      </a:accent6>
+      <a:hlink>
+        <a:srgbClr val="F06292"/>
+      </a:hlink>
+      <a:folHlink>
+        <a:srgbClr val="F06292"/>
+      </a:folHlink>
+    </a:clrScheme>
+    <a:fontScheme name="Office">
+      <a:majorFont>
+        <a:latin typeface="Arial"/>
+        <a:ea typeface=""/>
+        <a:cs typeface=""/>
+        <a:font script="Jpan" typeface="ＭＳ Ｐゴシック"/>
+        <a:font script="Hang" typeface="맑은 고딕"/>
+        <a:font script="Hans" typeface="宋体"/>
+        <a:font script="Hant" typeface="新細明體"/>
+        <a:font script="Arab" typeface="Times New Roman"/>
+        <a:font script="Hebr" typeface="Times New Roman"/>
+        <a:font script="Thai" typeface="Angsana New"/>
+        <a:font script="Ethi" typeface="Nyala"/>
+        <a:font script="Beng" typeface="Vrinda"/>
+        <a:font script="Gujr" typeface="Shruti"/>
+        <a:font script="Khmr" typeface="MoolBoran"/>
+        <a:font script="Knda" typeface="Tunga"/>
+        <a:font script="Guru" typeface="Raavi"/>
+        <a:font script="Cans" typeface="Euphemia"/>
+        <a:font script="Cher" typeface="Plantagenet Cherokee"/>
+        <a:font script="Yiii" typeface="Microsoft Yi Baiti"/>
+        <a:font script="Tibt" typeface="Microsoft Himalaya"/>
+        <a:font script="Thaa" typeface="MV Boli"/>
+        <a:font script="Deva" typeface="Mangal"/>
+        <a:font script="Telu" typeface="Gautami"/>
+        <a:font script="Taml" typeface="Latha"/>
+        <a:font script="Syrc" typeface="Estrangelo Edessa"/>
+        <a:font script="Orya" typeface="Kalinga"/>
+        <a:font script="Mlym" typeface="Kartika"/>
+        <a:font script="Laoo" typeface="DokChampa"/>
+        <a:font script="Sinh" typeface="Iskoola Pota"/>
+        <a:font script="Mong" typeface="Mongolian Baiti"/>
+        <a:font script="Viet" typeface="Times New Roman"/>
+        <a:font script="Uigh" typeface="Microsoft Uighur"/>
+        <a:font script="Geor" typeface="Sylfaen"/>
+      </a:majorFont>
+      <a:minorFont>
+        <a:latin typeface="Arial"/>
+        <a:ea typeface=""/>
+        <a:cs typeface=""/>
+        <a:font script="Jpan" typeface="ＭＳ Ｐゴシック"/>
+        <a:font script="Hang" typeface="맑은 고딕"/>
+        <a:font script="Hans" typeface="宋体"/>
+        <a:font script="Hant" typeface="新細明體"/>
+        <a:font script="Arab" typeface="Arial"/>
+        <a:font script="Hebr" typeface="Arial"/>
+        <a:font script="Thai" typeface="Cordia New"/>
+        <a:font script="Ethi" typeface="Nyala"/>
+        <a:font script="Beng" typeface="Vrinda"/>
+        <a:font script="Gujr" typeface="Shruti"/>
+        <a:font script="Khmr" typeface="DaunPenh"/>
+        <a:font script="Knda" typeface="Tunga"/>
+        <a:font script="Guru" typeface="Raavi"/>
+        <a:font script="Cans" typeface="Euphemia"/>
+        <a:font script="Cher" typeface="Plantagenet Cherokee"/>
+        <a:font script="Yiii" typeface="Microsoft Yi Baiti"/>
+        <a:font script="Tibt" typeface="Microsoft Himalaya"/>
+        <a:font script="Thaa" typeface="MV Boli"/>
+        <a:font script="Deva" typeface="Mangal"/>
+        <a:font script="Telu" typeface="Gautami"/>
+        <a:font script="Taml" typeface="Latha"/>
+        <a:font script="Syrc" typeface="Estrangelo Edessa"/>
+        <a:font script="Orya" typeface="Kalinga"/>
+        <a:font script="Mlym" typeface="Kartika"/>
+        <a:font script="Laoo" typeface="DokChampa"/>
+        <a:font script="Sinh" typeface="Iskoola Pota"/>
+        <a:font script="Mong" typeface="Mongolian Baiti"/>
+        <a:font script="Viet" typeface="Arial"/>
+        <a:font script="Uigh" typeface="Microsoft Uighur"/>
+        <a:font script="Geor" typeface="Sylfaen"/>
+      </a:minorFont>
+    </a:fontScheme>
+    <a:fmtScheme name="Office">
+      <a:fillStyleLst>
+        <a:solidFill>
+          <a:schemeClr val="phClr"/>
+        </a:solidFill>
+        <a:gradFill rotWithShape="1">
+          <a:gsLst>
+            <a:gs pos="0">
+              <a:schemeClr val="phClr">
+                <a:tint val="50000"/>
+                <a:satMod val="300000"/>
+              </a:schemeClr>
+            </a:gs>
+            <a:gs pos="35000">
+              <a:schemeClr val="phClr">
+                <a:tint val="37000"/>
+                <a:satMod val="300000"/>
+              </a:schemeClr>
+            </a:gs>
+            <a:gs pos="100000">
+              <a:schemeClr val="phClr">
+                <a:tint val="15000"/>
+                <a:satMod val="350000"/>
+              </a:schemeClr>
+            </a:gs>
+          </a:gsLst>
+          <a:lin ang="16200000" scaled="1"/>
+        </a:gradFill>
+        <a:gradFill rotWithShape="1">
+          <a:gsLst>
+            <a:gs pos="0">
+              <a:schemeClr val="phClr">
+                <a:tint val="100000"/>
+                <a:shade val="100000"/>
+                <a:satMod val="130000"/>
+              </a:schemeClr>
+            </a:gs>
+            <a:gs pos="100000">
+              <a:schemeClr val="phClr">
+                <a:tint val="50000"/>
+                <a:shade val="100000"/>
+                <a:satMod val="350000"/>
+              </a:schemeClr>
+            </a:gs>
+          </a:gsLst>
+          <a:lin ang="16200000" scaled="0"/>
+        </a:gradFill>
+      </a:fillStyleLst>
+      <a:lnStyleLst>
+        <a:ln w="9525" cap="flat" cmpd="sng" algn="ctr">
+          <a:solidFill>
+            <a:schemeClr val="phClr">
+              <a:shade val="95000"/>
+              <a:satMod val="105000"/>
+            </a:schemeClr>
+          </a:solidFill>
+          <a:prstDash val="solid"/>
+        </a:ln>
+        <a:ln w="25400" cap="flat" cmpd="sng" algn="ctr">
+          <a:solidFill>
+            <a:schemeClr val="phClr"/>
+          </a:solidFill>
+          <a:prstDash val="solid"/>
+        </a:ln>
+        <a:ln w="38100" cap="flat" cmpd="sng" algn="ctr">
+          <a:solidFill>
+            <a:schemeClr val="phClr"/>
+          </a:solidFill>
+          <a:prstDash val="solid"/>
+        </a:ln>
+      </a:lnStyleLst>
+      <a:effectStyleLst>
+        <a:effectStyle>
+          <a:effectLst>
+            <a:outerShdw blurRad="40000" dist="20000" dir="5400000" rotWithShape="0">
+              <a:srgbClr val="000000">
+                <a:alpha val="38000"/>
+              </a:srgbClr>
+            </a:outerShdw>
+          </a:effectLst>
+        </a:effectStyle>
+        <a:effectStyle>
+          <a:effectLst>
+            <a:outerShdw blurRad="40000" dist="23000" dir="5400000" rotWithShape="0">
+              <a:srgbClr val="000000">
+                <a:alpha val="35000"/>
+              </a:srgbClr>
+            </a:outerShdw>
+          </a:effectLst>
+        </a:effectStyle>
+        <a:effectStyle>
+          <a:effectLst>
+            <a:outerShdw blurRad="40000" dist="23000" dir="5400000" rotWithShape="0">
+              <a:srgbClr val="000000">
+                <a:alpha val="35000"/>
+              </a:srgbClr>
+            </a:outerShdw>
+          </a:effectLst>
+          <a:scene3d>
+            <a:camera prst="orthographicFront">
+              <a:rot lat="0" lon="0" rev="0"/>
+            </a:camera>
+            <a:lightRig rig="threePt" dir="t">
+              <a:rot lat="0" lon="0" rev="1200000"/>
+            </a:lightRig>
+          </a:scene3d>
+          <a:sp3d>
+            <a:bevelT w="63500" h="25400"/>
+          </a:sp3d>
+        </a:effectStyle>
+      </a:effectStyleLst>
+      <a:bgFillStyleLst>
+        <a:solidFill>
+          <a:schemeClr val="phClr"/>
+        </a:solidFill>
+        <a:gradFill rotWithShape="1">
+          <a:gsLst>
+            <a:gs pos="0">
+              <a:schemeClr val="phClr">
+                <a:tint val="40000"/>
+                <a:satMod val="350000"/>
+              </a:schemeClr>
+            </a:gs>
+            <a:gs pos="40000">
+              <a:schemeClr val="phClr">
+                <a:tint val="45000"/>
+                <a:shade val="99000"/>
+                <a:satMod val="350000"/>
+              </a:schemeClr>
+            </a:gs>
+            <a:gs pos="100000">
+              <a:schemeClr val="phClr">
+                <a:shade val="20000"/>
+                <a:satMod val="255000"/>
+              </a:schemeClr>
+            </a:gs>
+          </a:gsLst>
+          <a:path path="circle">
+            <a:fillToRect l="50000" t="-80000" r="50000" b="180000"/>
+          </a:path>
+        </a:gradFill>
+        <a:gradFill rotWithShape="1">
+          <a:gsLst>
+            <a:gs pos="0">
+              <a:schemeClr val="phClr">
+                <a:tint val="80000"/>
+                <a:satMod val="300000"/>
+              </a:schemeClr>
+            </a:gs>
+            <a:gs pos="100000">
+              <a:schemeClr val="phClr">
+                <a:shade val="30000"/>
+                <a:satMod val="200000"/>
+              </a:schemeClr>
+            </a:gs>
+          </a:gsLst>
+          <a:path path="circle">
+            <a:fillToRect l="50000" t="50000" r="50000" b="50000"/>
+          </a:path>
+        </a:gradFill>
+      </a:bgFillStyleLst>
+    </a:fmtScheme>
+  </a:themeElements>
+</a:theme>
 </file>
 
-<file path=ppt/slides/slide9.xml><?xml version="1.0" encoding="utf-8"?>
-<p:sld xmlns:a="http://schemas.openxmlformats.org/drawingml/2006/main" xmlns:r="http://schemas.openxmlformats.org/officeDocument/2006/relationships" xmlns:mc="http://schemas.openxmlformats.org/markup-compatibility/2006" xmlns:mv="urn:schemas-microsoft-com:mac:vml" xmlns:p="http://schemas.openxmlformats.org/presentationml/2006/main" xmlns:c="http://schemas.openxmlformats.org/drawingml/2006/chart" xmlns:dgm="http://schemas.openxmlformats.org/drawingml/2006/diagram" xmlns:o="urn:schemas-microsoft-com:office:office" xmlns:v="urn:schemas-microsoft-com:vml" xmlns:pvml="urn:schemas-microsoft-com:office:powerpoint" xmlns:com="http://schemas.openxmlformats.org/drawingml/2006/compatibility" xmlns:p14="http://schemas.microsoft.com/office/powerpoint/2010/main" xmlns:p15="http://schemas.microsoft.com/office/powerpoint/2012/main" xmlns:ahyp="http://schemas.microsoft.com/office/drawing/2018/hyperlinkcolor">
-  <p:cSld>
-    <p:spTree>
-      <p:nvGrpSpPr>
-        <p:cNvPr id="159" name="Shape 159"/>
-        <p:cNvGrpSpPr/>
-        <p:nvPr/>
-      </p:nvGrpSpPr>
-      <p:grpSpPr>
-        <a:xfrm>
-          <a:off x="0" y="0"/>
-          <a:ext cx="0" cy="0"/>
-          <a:chOff x="0" y="0"/>
-          <a:chExt cx="0" cy="0"/>
-        </a:xfrm>
-      </p:grpSpPr>
-      <p:sp>
-        <p:nvSpPr>
-          <p:cNvPr id="160" name="Google Shape;160;p21"/>
-          <p:cNvSpPr txBox="1"/>
-          <p:nvPr>
-            <p:ph type="ctrTitle"/>
-          </p:nvPr>
-        </p:nvSpPr>
-        <p:spPr>
-          <a:xfrm>
-            <a:off x="3088875" y="373722"/>
-            <a:ext cx="8222100" cy="838800"/>
-          </a:xfrm>
-          <a:prstGeom prst="rect">
-            <a:avLst/>
-          </a:prstGeom>
-        </p:spPr>
-        <p:txBody>
-          <a:bodyPr anchorCtr="0" anchor="b" bIns="91425" lIns="91425" spcFirstLastPara="1" rIns="91425" wrap="square" tIns="91425">
-            <a:noAutofit/>
-          </a:bodyPr>
-          <a:lstStyle/>
-          <a:p>
-            <a:pPr indent="0" lvl="0" marL="0" rtl="0" algn="l">
-              <a:spcBef>
-                <a:spcPts val="0"/>
-              </a:spcBef>
-              <a:spcAft>
-                <a:spcPts val="0"/>
-              </a:spcAft>
-              <a:buNone/>
-            </a:pPr>
-            <a:r>
-              <a:rPr lang="en"/>
-              <a:t>Questions?</a:t>
-            </a:r>
-            <a:endParaRPr/>
-          </a:p>
-        </p:txBody>
-      </p:sp>
-      <p:sp>
-        <p:nvSpPr>
-          <p:cNvPr id="161" name="Google Shape;161;p21"/>
-          <p:cNvSpPr txBox="1"/>
-          <p:nvPr>
-            <p:ph idx="1" type="subTitle"/>
-          </p:nvPr>
-        </p:nvSpPr>
-        <p:spPr>
-          <a:xfrm>
-            <a:off x="2850500" y="3973265"/>
-            <a:ext cx="8222100" cy="983400"/>
-          </a:xfrm>
-          <a:prstGeom prst="rect">
-            <a:avLst/>
-          </a:prstGeom>
-        </p:spPr>
-        <p:txBody>
-          <a:bodyPr anchorCtr="0" anchor="t" bIns="91425" lIns="91425" spcFirstLastPara="1" rIns="91425" wrap="square" tIns="91425">
-            <a:noAutofit/>
-          </a:bodyPr>
-          <a:lstStyle/>
-          <a:p>
-            <a:pPr indent="0" lvl="0" marL="0" rtl="0" algn="l">
-              <a:spcBef>
-                <a:spcPts val="0"/>
-              </a:spcBef>
-              <a:spcAft>
-                <a:spcPts val="0"/>
-              </a:spcAft>
-              <a:buNone/>
-            </a:pPr>
-            <a:r>
-              <a:rPr lang="en" sz="2000"/>
-              <a:t>Walter.i.castillo.mil@mail.mil</a:t>
-            </a:r>
-            <a:endParaRPr sz="2000"/>
-          </a:p>
-          <a:p>
-            <a:pPr indent="0" lvl="0" marL="0" rtl="0" algn="l">
-              <a:spcBef>
-                <a:spcPts val="0"/>
-              </a:spcBef>
-              <a:spcAft>
-                <a:spcPts val="0"/>
-              </a:spcAft>
-              <a:buNone/>
-            </a:pPr>
-            <a:r>
-              <a:rPr lang="en" sz="2000"/>
-              <a:t>Github.com/Waltercas</a:t>
-            </a:r>
-            <a:endParaRPr sz="2000"/>
-          </a:p>
-        </p:txBody>
-      </p:sp>
-      <p:pic>
-        <p:nvPicPr>
-          <p:cNvPr id="162" name="Google Shape;162;p21"/>
-          <p:cNvPicPr preferRelativeResize="0"/>
-          <p:nvPr/>
-        </p:nvPicPr>
-        <p:blipFill>
-          <a:blip r:embed="rId3">
-            <a:alphaModFix/>
-          </a:blip>
-          <a:stretch>
-            <a:fillRect/>
-          </a:stretch>
-        </p:blipFill>
-        <p:spPr>
-          <a:xfrm>
-            <a:off x="3004799" y="1396335"/>
-            <a:ext cx="3134424" cy="2350818"/>
-          </a:xfrm>
-          <a:prstGeom prst="rect">
-            <a:avLst/>
-          </a:prstGeom>
-          <a:noFill/>
-          <a:ln>
-            <a:noFill/>
-          </a:ln>
-        </p:spPr>
-      </p:pic>
-    </p:spTree>
-  </p:cSld>
-  <p:clrMapOvr>
-    <a:masterClrMapping/>
-  </p:clrMapOvr>
-</p:sld>
-</file>
-
-<file path=ppt/theme/theme1.xml><?xml version="1.0" encoding="utf-8"?>
+<file path=ppt/theme/theme2.xml><?xml version="1.0" encoding="utf-8"?>
 <a:theme xmlns:a="http://schemas.openxmlformats.org/drawingml/2006/main" xmlns:r="http://schemas.openxmlformats.org/officeDocument/2006/relationships">
   <a:themeElements>
     <a:clrScheme name="Default">
@@ -11500,283 +11957,4 @@
     </a:fmtScheme>
   </a:themeElements>
 </a:theme>
-</file>
-
-<file path=ppt/theme/theme2.xml><?xml version="1.0" encoding="utf-8"?>
-<a:theme xmlns:a="http://schemas.openxmlformats.org/drawingml/2006/main" xmlns:r="http://schemas.openxmlformats.org/officeDocument/2006/relationships" name="Geometric">
-  <a:themeElements>
-    <a:clrScheme name="Geometric">
-      <a:dk1>
-        <a:srgbClr val="2A3990"/>
-      </a:dk1>
-      <a:lt1>
-        <a:srgbClr val="FFFFFF"/>
-      </a:lt1>
-      <a:dk2>
-        <a:srgbClr val="434343"/>
-      </a:dk2>
-      <a:lt2>
-        <a:srgbClr val="999999"/>
-      </a:lt2>
-      <a:accent1>
-        <a:srgbClr val="212D74"/>
-      </a:accent1>
-      <a:accent2>
-        <a:srgbClr val="3949AB"/>
-      </a:accent2>
-      <a:accent3>
-        <a:srgbClr val="9C254D"/>
-      </a:accent3>
-      <a:accent4>
-        <a:srgbClr val="D23369"/>
-      </a:accent4>
-      <a:accent5>
-        <a:srgbClr val="F06292"/>
-      </a:accent5>
-      <a:accent6>
-        <a:srgbClr val="7890CD"/>
-      </a:accent6>
-      <a:hlink>
-        <a:srgbClr val="F06292"/>
-      </a:hlink>
-      <a:folHlink>
-        <a:srgbClr val="F06292"/>
-      </a:folHlink>
-    </a:clrScheme>
-    <a:fontScheme name="Office">
-      <a:majorFont>
-        <a:latin typeface="Arial"/>
-        <a:ea typeface=""/>
-        <a:cs typeface=""/>
-        <a:font script="Jpan" typeface="ＭＳ Ｐゴシック"/>
-        <a:font script="Hang" typeface="맑은 고딕"/>
-        <a:font script="Hans" typeface="宋体"/>
-        <a:font script="Hant" typeface="新細明體"/>
-        <a:font script="Arab" typeface="Times New Roman"/>
-        <a:font script="Hebr" typeface="Times New Roman"/>
-        <a:font script="Thai" typeface="Angsana New"/>
-        <a:font script="Ethi" typeface="Nyala"/>
-        <a:font script="Beng" typeface="Vrinda"/>
-        <a:font script="Gujr" typeface="Shruti"/>
-        <a:font script="Khmr" typeface="MoolBoran"/>
-        <a:font script="Knda" typeface="Tunga"/>
-        <a:font script="Guru" typeface="Raavi"/>
-        <a:font script="Cans" typeface="Euphemia"/>
-        <a:font script="Cher" typeface="Plantagenet Cherokee"/>
-        <a:font script="Yiii" typeface="Microsoft Yi Baiti"/>
-        <a:font script="Tibt" typeface="Microsoft Himalaya"/>
-        <a:font script="Thaa" typeface="MV Boli"/>
-        <a:font script="Deva" typeface="Mangal"/>
-        <a:font script="Telu" typeface="Gautami"/>
-        <a:font script="Taml" typeface="Latha"/>
-        <a:font script="Syrc" typeface="Estrangelo Edessa"/>
-        <a:font script="Orya" typeface="Kalinga"/>
-        <a:font script="Mlym" typeface="Kartika"/>
-        <a:font script="Laoo" typeface="DokChampa"/>
-        <a:font script="Sinh" typeface="Iskoola Pota"/>
-        <a:font script="Mong" typeface="Mongolian Baiti"/>
-        <a:font script="Viet" typeface="Times New Roman"/>
-        <a:font script="Uigh" typeface="Microsoft Uighur"/>
-        <a:font script="Geor" typeface="Sylfaen"/>
-      </a:majorFont>
-      <a:minorFont>
-        <a:latin typeface="Arial"/>
-        <a:ea typeface=""/>
-        <a:cs typeface=""/>
-        <a:font script="Jpan" typeface="ＭＳ Ｐゴシック"/>
-        <a:font script="Hang" typeface="맑은 고딕"/>
-        <a:font script="Hans" typeface="宋体"/>
-        <a:font script="Hant" typeface="新細明體"/>
-        <a:font script="Arab" typeface="Arial"/>
-        <a:font script="Hebr" typeface="Arial"/>
-        <a:font script="Thai" typeface="Cordia New"/>
-        <a:font script="Ethi" typeface="Nyala"/>
-        <a:font script="Beng" typeface="Vrinda"/>
-        <a:font script="Gujr" typeface="Shruti"/>
-        <a:font script="Khmr" typeface="DaunPenh"/>
-        <a:font script="Knda" typeface="Tunga"/>
-        <a:font script="Guru" typeface="Raavi"/>
-        <a:font script="Cans" typeface="Euphemia"/>
-        <a:font script="Cher" typeface="Plantagenet Cherokee"/>
-        <a:font script="Yiii" typeface="Microsoft Yi Baiti"/>
-        <a:font script="Tibt" typeface="Microsoft Himalaya"/>
-        <a:font script="Thaa" typeface="MV Boli"/>
-        <a:font script="Deva" typeface="Mangal"/>
-        <a:font script="Telu" typeface="Gautami"/>
-        <a:font script="Taml" typeface="Latha"/>
-        <a:font script="Syrc" typeface="Estrangelo Edessa"/>
-        <a:font script="Orya" typeface="Kalinga"/>
-        <a:font script="Mlym" typeface="Kartika"/>
-        <a:font script="Laoo" typeface="DokChampa"/>
-        <a:font script="Sinh" typeface="Iskoola Pota"/>
-        <a:font script="Mong" typeface="Mongolian Baiti"/>
-        <a:font script="Viet" typeface="Arial"/>
-        <a:font script="Uigh" typeface="Microsoft Uighur"/>
-        <a:font script="Geor" typeface="Sylfaen"/>
-      </a:minorFont>
-    </a:fontScheme>
-    <a:fmtScheme name="Office">
-      <a:fillStyleLst>
-        <a:solidFill>
-          <a:schemeClr val="phClr"/>
-        </a:solidFill>
-        <a:gradFill rotWithShape="1">
-          <a:gsLst>
-            <a:gs pos="0">
-              <a:schemeClr val="phClr">
-                <a:tint val="50000"/>
-                <a:satMod val="300000"/>
-              </a:schemeClr>
-            </a:gs>
-            <a:gs pos="35000">
-              <a:schemeClr val="phClr">
-                <a:tint val="37000"/>
-                <a:satMod val="300000"/>
-              </a:schemeClr>
-            </a:gs>
-            <a:gs pos="100000">
-              <a:schemeClr val="phClr">
-                <a:tint val="15000"/>
-                <a:satMod val="350000"/>
-              </a:schemeClr>
-            </a:gs>
-          </a:gsLst>
-          <a:lin ang="16200000" scaled="1"/>
-        </a:gradFill>
-        <a:gradFill rotWithShape="1">
-          <a:gsLst>
-            <a:gs pos="0">
-              <a:schemeClr val="phClr">
-                <a:tint val="100000"/>
-                <a:shade val="100000"/>
-                <a:satMod val="130000"/>
-              </a:schemeClr>
-            </a:gs>
-            <a:gs pos="100000">
-              <a:schemeClr val="phClr">
-                <a:tint val="50000"/>
-                <a:shade val="100000"/>
-                <a:satMod val="350000"/>
-              </a:schemeClr>
-            </a:gs>
-          </a:gsLst>
-          <a:lin ang="16200000" scaled="0"/>
-        </a:gradFill>
-      </a:fillStyleLst>
-      <a:lnStyleLst>
-        <a:ln w="9525" cap="flat" cmpd="sng" algn="ctr">
-          <a:solidFill>
-            <a:schemeClr val="phClr">
-              <a:shade val="95000"/>
-              <a:satMod val="105000"/>
-            </a:schemeClr>
-          </a:solidFill>
-          <a:prstDash val="solid"/>
-        </a:ln>
-        <a:ln w="25400" cap="flat" cmpd="sng" algn="ctr">
-          <a:solidFill>
-            <a:schemeClr val="phClr"/>
-          </a:solidFill>
-          <a:prstDash val="solid"/>
-        </a:ln>
-        <a:ln w="38100" cap="flat" cmpd="sng" algn="ctr">
-          <a:solidFill>
-            <a:schemeClr val="phClr"/>
-          </a:solidFill>
-          <a:prstDash val="solid"/>
-        </a:ln>
-      </a:lnStyleLst>
-      <a:effectStyleLst>
-        <a:effectStyle>
-          <a:effectLst>
-            <a:outerShdw blurRad="40000" dist="20000" dir="5400000" rotWithShape="0">
-              <a:srgbClr val="000000">
-                <a:alpha val="38000"/>
-              </a:srgbClr>
-            </a:outerShdw>
-          </a:effectLst>
-        </a:effectStyle>
-        <a:effectStyle>
-          <a:effectLst>
-            <a:outerShdw blurRad="40000" dist="23000" dir="5400000" rotWithShape="0">
-              <a:srgbClr val="000000">
-                <a:alpha val="35000"/>
-              </a:srgbClr>
-            </a:outerShdw>
-          </a:effectLst>
-        </a:effectStyle>
-        <a:effectStyle>
-          <a:effectLst>
-            <a:outerShdw blurRad="40000" dist="23000" dir="5400000" rotWithShape="0">
-              <a:srgbClr val="000000">
-                <a:alpha val="35000"/>
-              </a:srgbClr>
-            </a:outerShdw>
-          </a:effectLst>
-          <a:scene3d>
-            <a:camera prst="orthographicFront">
-              <a:rot lat="0" lon="0" rev="0"/>
-            </a:camera>
-            <a:lightRig rig="threePt" dir="t">
-              <a:rot lat="0" lon="0" rev="1200000"/>
-            </a:lightRig>
-          </a:scene3d>
-          <a:sp3d>
-            <a:bevelT w="63500" h="25400"/>
-          </a:sp3d>
-        </a:effectStyle>
-      </a:effectStyleLst>
-      <a:bgFillStyleLst>
-        <a:solidFill>
-          <a:schemeClr val="phClr"/>
-        </a:solidFill>
-        <a:gradFill rotWithShape="1">
-          <a:gsLst>
-            <a:gs pos="0">
-              <a:schemeClr val="phClr">
-                <a:tint val="40000"/>
-                <a:satMod val="350000"/>
-              </a:schemeClr>
-            </a:gs>
-            <a:gs pos="40000">
-              <a:schemeClr val="phClr">
-                <a:tint val="45000"/>
-                <a:shade val="99000"/>
-                <a:satMod val="350000"/>
-              </a:schemeClr>
-            </a:gs>
-            <a:gs pos="100000">
-              <a:schemeClr val="phClr">
-                <a:shade val="20000"/>
-                <a:satMod val="255000"/>
-              </a:schemeClr>
-            </a:gs>
-          </a:gsLst>
-          <a:path path="circle">
-            <a:fillToRect l="50000" t="-80000" r="50000" b="180000"/>
-          </a:path>
-        </a:gradFill>
-        <a:gradFill rotWithShape="1">
-          <a:gsLst>
-            <a:gs pos="0">
-              <a:schemeClr val="phClr">
-                <a:tint val="80000"/>
-                <a:satMod val="300000"/>
-              </a:schemeClr>
-            </a:gs>
-            <a:gs pos="100000">
-              <a:schemeClr val="phClr">
-                <a:shade val="30000"/>
-                <a:satMod val="200000"/>
-              </a:schemeClr>
-            </a:gs>
-          </a:gsLst>
-          <a:path path="circle">
-            <a:fillToRect l="50000" t="50000" r="50000" b="50000"/>
-          </a:path>
-        </a:gradFill>
-      </a:bgFillStyleLst>
-    </a:fmtScheme>
-  </a:themeElements>
-</a:theme>
 </file>